--- a/인공지능 발표.pptx
+++ b/인공지능 발표.pptx
@@ -13702,7 +13702,7 @@
           <p:nvPr>
             <p:extLst>
               <p:ext uri="{D42A27DB-BD31-4B8C-83A1-F6EECF244321}">
-                <p14:modId xmlns:p14="http://schemas.microsoft.com/office/powerpoint/2010/main" val="924341300"/>
+                <p14:modId xmlns:p14="http://schemas.microsoft.com/office/powerpoint/2010/main" val="3822589942"/>
               </p:ext>
             </p:extLst>
           </p:nvPr>
@@ -14709,7 +14709,7 @@
                         </a:spcAft>
                       </a:pPr>
                       <a:r>
-                        <a:rPr lang="ko-KR" altLang="en-US" sz="1400" err="1">
+                        <a:rPr lang="ko-KR" altLang="en-US" sz="1400" dirty="0" err="1">
                           <a:solidFill>
                             <a:schemeClr val="tx1"/>
                           </a:solidFill>
@@ -14719,7 +14719,7 @@
                         <a:t>조센징답다</a:t>
                       </a:r>
                       <a:r>
-                        <a:rPr lang="ko-KR" altLang="en-US" sz="1400">
+                        <a:rPr lang="ko-KR" altLang="en-US" sz="1400" dirty="0">
                           <a:solidFill>
                             <a:schemeClr val="tx1"/>
                           </a:solidFill>
@@ -14729,7 +14729,7 @@
                         <a:t> </a:t>
                       </a:r>
                       <a:r>
-                        <a:rPr lang="ko-KR" altLang="en-US" sz="1400" err="1">
+                        <a:rPr lang="ko-KR" altLang="en-US" sz="1400" dirty="0" err="1">
                           <a:solidFill>
                             <a:schemeClr val="tx1"/>
                           </a:solidFill>
@@ -14739,7 +14739,7 @@
                         <a:t>열등종</a:t>
                       </a:r>
                       <a:r>
-                        <a:rPr lang="ko-KR" altLang="en-US" sz="1400">
+                        <a:rPr lang="ko-KR" altLang="en-US" sz="1400" dirty="0">
                           <a:solidFill>
                             <a:schemeClr val="tx1"/>
                           </a:solidFill>
@@ -14749,7 +14749,7 @@
                         <a:t> </a:t>
                       </a:r>
                       <a:r>
-                        <a:rPr lang="ko-KR" altLang="en-US" sz="1400" err="1">
+                        <a:rPr lang="ko-KR" altLang="en-US" sz="1400" dirty="0" err="1">
                           <a:solidFill>
                             <a:schemeClr val="tx1"/>
                           </a:solidFill>
@@ -14758,7 +14758,7 @@
                         </a:rPr>
                         <a:t>센숭이</a:t>
                       </a:r>
-                      <a:endParaRPr lang="ko-KR" altLang="en-US" sz="1400">
+                      <a:endParaRPr lang="ko-KR" altLang="en-US" sz="1400" dirty="0">
                         <a:solidFill>
                           <a:schemeClr val="tx1"/>
                         </a:solidFill>
@@ -14803,6 +14803,12 @@
                       <a:headEnd type="none" w="med" len="med"/>
                       <a:tailEnd type="none" w="med" len="med"/>
                     </a:lnB>
+                    <a:solidFill>
+                      <a:schemeClr val="accent2">
+                        <a:lumMod val="40000"/>
+                        <a:lumOff val="60000"/>
+                      </a:schemeClr>
+                    </a:solidFill>
                   </a:tcPr>
                 </a:tc>
                 <a:tc>
@@ -14877,6 +14883,12 @@
                       <a:headEnd type="none" w="med" len="med"/>
                       <a:tailEnd type="none" w="med" len="med"/>
                     </a:lnB>
+                    <a:solidFill>
+                      <a:schemeClr val="accent2">
+                        <a:lumMod val="40000"/>
+                        <a:lumOff val="60000"/>
+                      </a:schemeClr>
+                    </a:solidFill>
                   </a:tcPr>
                 </a:tc>
                 <a:tc>
@@ -14951,6 +14963,12 @@
                       <a:headEnd type="none" w="med" len="med"/>
                       <a:tailEnd type="none" w="med" len="med"/>
                     </a:lnB>
+                    <a:solidFill>
+                      <a:schemeClr val="accent2">
+                        <a:lumMod val="40000"/>
+                        <a:lumOff val="60000"/>
+                      </a:schemeClr>
+                    </a:solidFill>
                   </a:tcPr>
                 </a:tc>
                 <a:extLst>
@@ -14977,7 +14995,7 @@
                         </a:spcAft>
                       </a:pPr>
                       <a:r>
-                        <a:rPr lang="ko-KR" altLang="en-US" sz="1400">
+                        <a:rPr lang="ko-KR" altLang="en-US" sz="1400" dirty="0">
                           <a:solidFill>
                             <a:schemeClr val="tx1"/>
                           </a:solidFill>
@@ -14986,7 +15004,7 @@
                         </a:rPr>
                         <a:t>미친 새끼 또 저 지랄이네 대단하다 대단해</a:t>
                       </a:r>
-                      <a:endParaRPr lang="ko-KR" altLang="en-US" sz="1400">
+                      <a:endParaRPr lang="ko-KR" altLang="en-US" sz="1400" dirty="0">
                         <a:solidFill>
                           <a:schemeClr val="tx1"/>
                         </a:solidFill>
@@ -15461,6 +15479,92 @@
                     <a:bodyPr/>
                     <a:lstStyle/>
                     <a:p>
+                      <a:pPr algn="ctr"/>
+                      <a:r>
+                        <a:rPr lang="ko-KR" altLang="en-US" sz="1400" b="0" kern="1200" dirty="0">
+                          <a:solidFill>
+                            <a:schemeClr val="tx1"/>
+                          </a:solidFill>
+                          <a:effectLst/>
+                          <a:latin typeface="+mn-lt"/>
+                          <a:ea typeface="+mn-ea"/>
+                          <a:cs typeface="+mn-cs"/>
+                        </a:rPr>
+                        <a:t>역시 홍어는 </a:t>
+                      </a:r>
+                      <a:r>
+                        <a:rPr lang="ko-KR" altLang="en-US" sz="1400" b="0" kern="1200" dirty="0" err="1">
+                          <a:solidFill>
+                            <a:schemeClr val="tx1"/>
+                          </a:solidFill>
+                          <a:effectLst/>
+                          <a:latin typeface="+mn-lt"/>
+                          <a:ea typeface="+mn-ea"/>
+                          <a:cs typeface="+mn-cs"/>
+                        </a:rPr>
+                        <a:t>별로야</a:t>
+                      </a:r>
+                      <a:endParaRPr lang="ko-KR" altLang="en-US" sz="1400" b="0" kern="1200" dirty="0">
+                        <a:solidFill>
+                          <a:schemeClr val="tx1"/>
+                        </a:solidFill>
+                        <a:effectLst/>
+                        <a:latin typeface="+mn-lt"/>
+                        <a:ea typeface="+mn-ea"/>
+                        <a:cs typeface="+mn-cs"/>
+                      </a:endParaRPr>
+                    </a:p>
+                  </a:txBody>
+                  <a:tcPr marL="57599" marR="57599" marT="57599" marB="57599" anchor="ctr">
+                    <a:lnL w="12700" cap="flat" cmpd="sng" algn="ctr">
+                      <a:solidFill>
+                        <a:schemeClr val="tx1"/>
+                      </a:solidFill>
+                      <a:prstDash val="solid"/>
+                      <a:round/>
+                      <a:headEnd type="none" w="med" len="med"/>
+                      <a:tailEnd type="none" w="med" len="med"/>
+                    </a:lnL>
+                    <a:lnR w="12700" cap="flat" cmpd="sng" algn="ctr">
+                      <a:solidFill>
+                        <a:schemeClr val="tx1"/>
+                      </a:solidFill>
+                      <a:prstDash val="solid"/>
+                      <a:round/>
+                      <a:headEnd type="none" w="med" len="med"/>
+                      <a:tailEnd type="none" w="med" len="med"/>
+                    </a:lnR>
+                    <a:lnT w="12700" cap="flat" cmpd="sng" algn="ctr">
+                      <a:solidFill>
+                        <a:schemeClr val="tx1"/>
+                      </a:solidFill>
+                      <a:prstDash val="solid"/>
+                      <a:round/>
+                      <a:headEnd type="none" w="med" len="med"/>
+                      <a:tailEnd type="none" w="med" len="med"/>
+                    </a:lnT>
+                    <a:lnB w="12700" cap="flat" cmpd="sng" algn="ctr">
+                      <a:solidFill>
+                        <a:schemeClr val="tx1"/>
+                      </a:solidFill>
+                      <a:prstDash val="solid"/>
+                      <a:round/>
+                      <a:headEnd type="none" w="med" len="med"/>
+                      <a:tailEnd type="none" w="med" len="med"/>
+                    </a:lnB>
+                    <a:solidFill>
+                      <a:schemeClr val="accent2">
+                        <a:lumMod val="40000"/>
+                        <a:lumOff val="60000"/>
+                      </a:schemeClr>
+                    </a:solidFill>
+                  </a:tcPr>
+                </a:tc>
+                <a:tc>
+                  <a:txBody>
+                    <a:bodyPr/>
+                    <a:lstStyle/>
+                    <a:p>
                       <a:pPr algn="ctr">
                         <a:lnSpc>
                           <a:spcPct val="160000"/>
@@ -15473,14 +15577,388 @@
                         </a:spcAft>
                       </a:pPr>
                       <a:r>
-                        <a:rPr lang="ko-KR" altLang="en-US" sz="1400" dirty="0" err="1">
+                        <a:rPr lang="en-US" altLang="ko-KR" sz="1400" dirty="0">
+                          <a:effectLst/>
+                        </a:rPr>
+                        <a:t>86.42</a:t>
+                      </a:r>
+                      <a:endParaRPr lang="ko-KR" altLang="en-US" sz="1400" dirty="0">
+                        <a:effectLst/>
+                      </a:endParaRPr>
+                    </a:p>
+                  </a:txBody>
+                  <a:tcPr marL="57599" marR="57599" marT="57599" marB="57599" anchor="ctr">
+                    <a:lnL w="12700" cap="flat" cmpd="sng" algn="ctr">
+                      <a:solidFill>
+                        <a:schemeClr val="tx1"/>
+                      </a:solidFill>
+                      <a:prstDash val="solid"/>
+                      <a:round/>
+                      <a:headEnd type="none" w="med" len="med"/>
+                      <a:tailEnd type="none" w="med" len="med"/>
+                    </a:lnL>
+                    <a:lnR w="12700" cap="flat" cmpd="sng" algn="ctr">
+                      <a:solidFill>
+                        <a:schemeClr val="tx1"/>
+                      </a:solidFill>
+                      <a:prstDash val="solid"/>
+                      <a:round/>
+                      <a:headEnd type="none" w="med" len="med"/>
+                      <a:tailEnd type="none" w="med" len="med"/>
+                    </a:lnR>
+                    <a:lnT w="12700" cap="flat" cmpd="sng" algn="ctr">
+                      <a:solidFill>
+                        <a:schemeClr val="tx1"/>
+                      </a:solidFill>
+                      <a:prstDash val="solid"/>
+                      <a:round/>
+                      <a:headEnd type="none" w="med" len="med"/>
+                      <a:tailEnd type="none" w="med" len="med"/>
+                    </a:lnT>
+                    <a:lnB w="12700" cap="flat" cmpd="sng" algn="ctr">
+                      <a:solidFill>
+                        <a:schemeClr val="tx1"/>
+                      </a:solidFill>
+                      <a:prstDash val="solid"/>
+                      <a:round/>
+                      <a:headEnd type="none" w="med" len="med"/>
+                      <a:tailEnd type="none" w="med" len="med"/>
+                    </a:lnB>
+                    <a:solidFill>
+                      <a:schemeClr val="accent2">
+                        <a:lumMod val="40000"/>
+                        <a:lumOff val="60000"/>
+                      </a:schemeClr>
+                    </a:solidFill>
+                  </a:tcPr>
+                </a:tc>
+                <a:tc>
+                  <a:txBody>
+                    <a:bodyPr/>
+                    <a:lstStyle/>
+                    <a:p>
+                      <a:pPr algn="ctr">
+                        <a:lnSpc>
+                          <a:spcPct val="160000"/>
+                        </a:lnSpc>
+                        <a:spcBef>
+                          <a:spcPts val="0"/>
+                        </a:spcBef>
+                        <a:spcAft>
+                          <a:spcPts val="0"/>
+                        </a:spcAft>
+                      </a:pPr>
+                      <a:r>
+                        <a:rPr lang="ko-KR" altLang="en-US" sz="1400" dirty="0">
+                          <a:effectLst/>
+                        </a:rPr>
+                        <a:t>부정</a:t>
+                      </a:r>
+                    </a:p>
+                  </a:txBody>
+                  <a:tcPr marL="57599" marR="57599" marT="57599" marB="57599" anchor="ctr">
+                    <a:lnL w="12700" cap="flat" cmpd="sng" algn="ctr">
+                      <a:solidFill>
+                        <a:schemeClr val="tx1"/>
+                      </a:solidFill>
+                      <a:prstDash val="solid"/>
+                      <a:round/>
+                      <a:headEnd type="none" w="med" len="med"/>
+                      <a:tailEnd type="none" w="med" len="med"/>
+                    </a:lnL>
+                    <a:lnR w="12700" cap="flat" cmpd="sng" algn="ctr">
+                      <a:solidFill>
+                        <a:schemeClr val="tx1"/>
+                      </a:solidFill>
+                      <a:prstDash val="solid"/>
+                      <a:round/>
+                      <a:headEnd type="none" w="med" len="med"/>
+                      <a:tailEnd type="none" w="med" len="med"/>
+                    </a:lnR>
+                    <a:lnT w="12700" cap="flat" cmpd="sng" algn="ctr">
+                      <a:solidFill>
+                        <a:schemeClr val="tx1"/>
+                      </a:solidFill>
+                      <a:prstDash val="solid"/>
+                      <a:round/>
+                      <a:headEnd type="none" w="med" len="med"/>
+                      <a:tailEnd type="none" w="med" len="med"/>
+                    </a:lnT>
+                    <a:lnB w="12700" cap="flat" cmpd="sng" algn="ctr">
+                      <a:solidFill>
+                        <a:schemeClr val="tx1"/>
+                      </a:solidFill>
+                      <a:prstDash val="solid"/>
+                      <a:round/>
+                      <a:headEnd type="none" w="med" len="med"/>
+                      <a:tailEnd type="none" w="med" len="med"/>
+                    </a:lnB>
+                    <a:solidFill>
+                      <a:schemeClr val="accent2">
+                        <a:lumMod val="40000"/>
+                        <a:lumOff val="60000"/>
+                      </a:schemeClr>
+                    </a:solidFill>
+                  </a:tcPr>
+                </a:tc>
+                <a:extLst>
+                  <a:ext uri="{0D108BD9-81ED-4DB2-BD59-A6C34878D82A}">
+                    <a16:rowId xmlns:a16="http://schemas.microsoft.com/office/drawing/2014/main" val="582051247"/>
+                  </a:ext>
+                </a:extLst>
+              </a:tr>
+              <a:tr h="443291">
+                <a:tc>
+                  <a:txBody>
+                    <a:bodyPr/>
+                    <a:lstStyle/>
+                    <a:p>
+                      <a:pPr algn="ctr"/>
+                      <a:r>
+                        <a:rPr lang="ko-KR" altLang="en-US" sz="1400" b="0" kern="1200" dirty="0">
+                          <a:solidFill>
+                            <a:schemeClr val="tx1"/>
+                          </a:solidFill>
+                          <a:effectLst/>
+                          <a:latin typeface="+mn-lt"/>
+                          <a:ea typeface="+mn-ea"/>
+                          <a:cs typeface="+mn-cs"/>
+                        </a:rPr>
+                        <a:t>역시 전라도 홍어는 </a:t>
+                      </a:r>
+                      <a:r>
+                        <a:rPr lang="ko-KR" altLang="en-US" sz="1400" b="0" kern="1200" dirty="0" err="1">
+                          <a:solidFill>
+                            <a:schemeClr val="tx1"/>
+                          </a:solidFill>
+                          <a:effectLst/>
+                          <a:latin typeface="+mn-lt"/>
+                          <a:ea typeface="+mn-ea"/>
+                          <a:cs typeface="+mn-cs"/>
+                        </a:rPr>
+                        <a:t>별로야</a:t>
+                      </a:r>
+                      <a:endParaRPr lang="ko-KR" altLang="en-US" sz="1400" b="0" kern="1200" dirty="0">
+                        <a:solidFill>
+                          <a:schemeClr val="tx1"/>
+                        </a:solidFill>
+                        <a:effectLst/>
+                        <a:latin typeface="+mn-lt"/>
+                        <a:ea typeface="+mn-ea"/>
+                        <a:cs typeface="+mn-cs"/>
+                      </a:endParaRPr>
+                    </a:p>
+                  </a:txBody>
+                  <a:tcPr marL="57599" marR="57599" marT="57599" marB="57599" anchor="ctr">
+                    <a:lnL w="12700" cap="flat" cmpd="sng" algn="ctr">
+                      <a:solidFill>
+                        <a:schemeClr val="tx1"/>
+                      </a:solidFill>
+                      <a:prstDash val="solid"/>
+                      <a:round/>
+                      <a:headEnd type="none" w="med" len="med"/>
+                      <a:tailEnd type="none" w="med" len="med"/>
+                    </a:lnL>
+                    <a:lnR w="12700" cap="flat" cmpd="sng" algn="ctr">
+                      <a:solidFill>
+                        <a:schemeClr val="tx1"/>
+                      </a:solidFill>
+                      <a:prstDash val="solid"/>
+                      <a:round/>
+                      <a:headEnd type="none" w="med" len="med"/>
+                      <a:tailEnd type="none" w="med" len="med"/>
+                    </a:lnR>
+                    <a:lnT w="12700" cap="flat" cmpd="sng" algn="ctr">
+                      <a:solidFill>
+                        <a:schemeClr val="tx1"/>
+                      </a:solidFill>
+                      <a:prstDash val="solid"/>
+                      <a:round/>
+                      <a:headEnd type="none" w="med" len="med"/>
+                      <a:tailEnd type="none" w="med" len="med"/>
+                    </a:lnT>
+                    <a:lnB w="12700" cap="flat" cmpd="sng" algn="ctr">
+                      <a:solidFill>
+                        <a:schemeClr val="tx1"/>
+                      </a:solidFill>
+                      <a:prstDash val="solid"/>
+                      <a:round/>
+                      <a:headEnd type="none" w="med" len="med"/>
+                      <a:tailEnd type="none" w="med" len="med"/>
+                    </a:lnB>
+                  </a:tcPr>
+                </a:tc>
+                <a:tc>
+                  <a:txBody>
+                    <a:bodyPr/>
+                    <a:lstStyle/>
+                    <a:p>
+                      <a:pPr algn="ctr">
+                        <a:lnSpc>
+                          <a:spcPct val="160000"/>
+                        </a:lnSpc>
+                        <a:spcBef>
+                          <a:spcPts val="0"/>
+                        </a:spcBef>
+                        <a:spcAft>
+                          <a:spcPts val="0"/>
+                        </a:spcAft>
+                      </a:pPr>
+                      <a:r>
+                        <a:rPr lang="en-US" altLang="ko-KR" sz="1400" dirty="0">
+                          <a:effectLst/>
+                        </a:rPr>
+                        <a:t>89.54</a:t>
+                      </a:r>
+                      <a:endParaRPr lang="ko-KR" altLang="en-US" sz="1400" dirty="0">
+                        <a:effectLst/>
+                      </a:endParaRPr>
+                    </a:p>
+                  </a:txBody>
+                  <a:tcPr marL="57599" marR="57599" marT="57599" marB="57599" anchor="ctr">
+                    <a:lnL w="12700" cap="flat" cmpd="sng" algn="ctr">
+                      <a:solidFill>
+                        <a:schemeClr val="tx1"/>
+                      </a:solidFill>
+                      <a:prstDash val="solid"/>
+                      <a:round/>
+                      <a:headEnd type="none" w="med" len="med"/>
+                      <a:tailEnd type="none" w="med" len="med"/>
+                    </a:lnL>
+                    <a:lnR w="12700" cap="flat" cmpd="sng" algn="ctr">
+                      <a:solidFill>
+                        <a:schemeClr val="tx1"/>
+                      </a:solidFill>
+                      <a:prstDash val="solid"/>
+                      <a:round/>
+                      <a:headEnd type="none" w="med" len="med"/>
+                      <a:tailEnd type="none" w="med" len="med"/>
+                    </a:lnR>
+                    <a:lnT w="12700" cap="flat" cmpd="sng" algn="ctr">
+                      <a:solidFill>
+                        <a:schemeClr val="tx1"/>
+                      </a:solidFill>
+                      <a:prstDash val="solid"/>
+                      <a:round/>
+                      <a:headEnd type="none" w="med" len="med"/>
+                      <a:tailEnd type="none" w="med" len="med"/>
+                    </a:lnT>
+                    <a:lnB w="12700" cap="flat" cmpd="sng" algn="ctr">
+                      <a:solidFill>
+                        <a:schemeClr val="tx1"/>
+                      </a:solidFill>
+                      <a:prstDash val="solid"/>
+                      <a:round/>
+                      <a:headEnd type="none" w="med" len="med"/>
+                      <a:tailEnd type="none" w="med" len="med"/>
+                    </a:lnB>
+                  </a:tcPr>
+                </a:tc>
+                <a:tc>
+                  <a:txBody>
+                    <a:bodyPr/>
+                    <a:lstStyle/>
+                    <a:p>
+                      <a:pPr algn="ctr">
+                        <a:lnSpc>
+                          <a:spcPct val="160000"/>
+                        </a:lnSpc>
+                        <a:spcBef>
+                          <a:spcPts val="0"/>
+                        </a:spcBef>
+                        <a:spcAft>
+                          <a:spcPts val="0"/>
+                        </a:spcAft>
+                      </a:pPr>
+                      <a:r>
+                        <a:rPr lang="ko-KR" altLang="en-US" sz="1400" dirty="0">
+                          <a:effectLst/>
+                        </a:rPr>
+                        <a:t>부정</a:t>
+                      </a:r>
+                    </a:p>
+                  </a:txBody>
+                  <a:tcPr marL="57599" marR="57599" marT="57599" marB="57599" anchor="ctr">
+                    <a:lnL w="12700" cap="flat" cmpd="sng" algn="ctr">
+                      <a:solidFill>
+                        <a:schemeClr val="tx1"/>
+                      </a:solidFill>
+                      <a:prstDash val="solid"/>
+                      <a:round/>
+                      <a:headEnd type="none" w="med" len="med"/>
+                      <a:tailEnd type="none" w="med" len="med"/>
+                    </a:lnL>
+                    <a:lnR w="12700" cap="flat" cmpd="sng" algn="ctr">
+                      <a:solidFill>
+                        <a:schemeClr val="tx1"/>
+                      </a:solidFill>
+                      <a:prstDash val="solid"/>
+                      <a:round/>
+                      <a:headEnd type="none" w="med" len="med"/>
+                      <a:tailEnd type="none" w="med" len="med"/>
+                    </a:lnR>
+                    <a:lnT w="12700" cap="flat" cmpd="sng" algn="ctr">
+                      <a:solidFill>
+                        <a:schemeClr val="tx1"/>
+                      </a:solidFill>
+                      <a:prstDash val="solid"/>
+                      <a:round/>
+                      <a:headEnd type="none" w="med" len="med"/>
+                      <a:tailEnd type="none" w="med" len="med"/>
+                    </a:lnT>
+                    <a:lnB w="12700" cap="flat" cmpd="sng" algn="ctr">
+                      <a:solidFill>
+                        <a:schemeClr val="tx1"/>
+                      </a:solidFill>
+                      <a:prstDash val="solid"/>
+                      <a:round/>
+                      <a:headEnd type="none" w="med" len="med"/>
+                      <a:tailEnd type="none" w="med" len="med"/>
+                    </a:lnB>
+                  </a:tcPr>
+                </a:tc>
+                <a:extLst>
+                  <a:ext uri="{0D108BD9-81ED-4DB2-BD59-A6C34878D82A}">
+                    <a16:rowId xmlns:a16="http://schemas.microsoft.com/office/drawing/2014/main" val="2773633358"/>
+                  </a:ext>
+                </a:extLst>
+              </a:tr>
+              <a:tr h="451081">
+                <a:tc>
+                  <a:txBody>
+                    <a:bodyPr/>
+                    <a:lstStyle/>
+                    <a:p>
+                      <a:pPr algn="ctr">
+                        <a:lnSpc>
+                          <a:spcPct val="160000"/>
+                        </a:lnSpc>
+                        <a:spcBef>
+                          <a:spcPts val="0"/>
+                        </a:spcBef>
+                        <a:spcAft>
+                          <a:spcPts val="0"/>
+                        </a:spcAft>
+                      </a:pPr>
+                      <a:r>
+                        <a:rPr lang="ko-KR" altLang="en-US" sz="1400" dirty="0">
                           <a:solidFill>
                             <a:schemeClr val="tx1"/>
                           </a:solidFill>
                           <a:effectLst/>
                           <a:latin typeface="Consolas" panose="020B0609020204030204" pitchFamily="49" charset="0"/>
                         </a:rPr>
-                        <a:t>정게로</a:t>
+                        <a:t>어떻게 됐건 민주당이 </a:t>
+                      </a:r>
+                      <a:r>
+                        <a:rPr lang="en-US" altLang="ko-KR" sz="1400" dirty="0">
+                          <a:solidFill>
+                            <a:schemeClr val="tx1"/>
+                          </a:solidFill>
+                          <a:effectLst/>
+                          <a:latin typeface="Courier New" panose="02070309020205020404" pitchFamily="49" charset="0"/>
+                        </a:rPr>
+                        <a:t>180</a:t>
                       </a:r>
                       <a:r>
                         <a:rPr lang="ko-KR" altLang="en-US" sz="1400" dirty="0">
@@ -15490,7 +15968,37 @@
                           <a:effectLst/>
                           <a:latin typeface="Consolas" panose="020B0609020204030204" pitchFamily="49" charset="0"/>
                         </a:rPr>
-                        <a:t> 꺼져라</a:t>
+                        <a:t>석인데 건드리기 힘들지 </a:t>
+                      </a:r>
+                      <a:r>
+                        <a:rPr lang="ko-KR" altLang="en-US" sz="1400" dirty="0" err="1">
+                          <a:solidFill>
+                            <a:schemeClr val="tx1"/>
+                          </a:solidFill>
+                          <a:effectLst/>
+                          <a:latin typeface="Consolas" panose="020B0609020204030204" pitchFamily="49" charset="0"/>
+                        </a:rPr>
+                        <a:t>븅신련아</a:t>
+                      </a:r>
+                      <a:r>
+                        <a:rPr lang="ko-KR" altLang="en-US" sz="1400" dirty="0">
+                          <a:solidFill>
+                            <a:schemeClr val="tx1"/>
+                          </a:solidFill>
+                          <a:effectLst/>
+                          <a:latin typeface="Consolas" panose="020B0609020204030204" pitchFamily="49" charset="0"/>
+                        </a:rPr>
+                        <a:t> </a:t>
+                      </a:r>
+                      <a:r>
+                        <a:rPr lang="ko-KR" altLang="en-US" sz="1400" dirty="0" err="1">
+                          <a:solidFill>
+                            <a:schemeClr val="tx1"/>
+                          </a:solidFill>
+                          <a:effectLst/>
+                          <a:latin typeface="Consolas" panose="020B0609020204030204" pitchFamily="49" charset="0"/>
+                        </a:rPr>
+                        <a:t>ㅋㅋㅋㅋㅋㅋㅋㅋ</a:t>
                       </a:r>
                       <a:endParaRPr lang="ko-KR" altLang="en-US" sz="1400" dirty="0">
                         <a:solidFill>
@@ -15537,6 +16045,12 @@
                       <a:headEnd type="none" w="med" len="med"/>
                       <a:tailEnd type="none" w="med" len="med"/>
                     </a:lnB>
+                    <a:solidFill>
+                      <a:schemeClr val="accent2">
+                        <a:lumMod val="40000"/>
+                        <a:lumOff val="60000"/>
+                      </a:schemeClr>
+                    </a:solidFill>
                   </a:tcPr>
                 </a:tc>
                 <a:tc>
@@ -15564,7 +16078,7 @@
                           <a:latin typeface="맑은 고딕" panose="020B0503020000020004" pitchFamily="50" charset="-127"/>
                           <a:ea typeface="맑은 고딕" panose="020B0503020000020004" pitchFamily="50" charset="-127"/>
                         </a:rPr>
-                        <a:t>92.29</a:t>
+                        <a:t>92.42</a:t>
                       </a:r>
                       <a:endParaRPr lang="ko-KR" altLang="en-US" sz="1400" dirty="0">
                         <a:solidFill>
@@ -15611,6 +16125,12 @@
                       <a:headEnd type="none" w="med" len="med"/>
                       <a:tailEnd type="none" w="med" len="med"/>
                     </a:lnB>
+                    <a:solidFill>
+                      <a:schemeClr val="accent2">
+                        <a:lumMod val="40000"/>
+                        <a:lumOff val="60000"/>
+                      </a:schemeClr>
+                    </a:solidFill>
                   </a:tcPr>
                 </a:tc>
                 <a:tc>
@@ -15685,482 +16205,12 @@
                       <a:headEnd type="none" w="med" len="med"/>
                       <a:tailEnd type="none" w="med" len="med"/>
                     </a:lnB>
-                  </a:tcPr>
-                </a:tc>
-                <a:extLst>
-                  <a:ext uri="{0D108BD9-81ED-4DB2-BD59-A6C34878D82A}">
-                    <a16:rowId xmlns:a16="http://schemas.microsoft.com/office/drawing/2014/main" val="582051247"/>
-                  </a:ext>
-                </a:extLst>
-              </a:tr>
-              <a:tr h="443291">
-                <a:tc>
-                  <a:txBody>
-                    <a:bodyPr/>
-                    <a:lstStyle/>
-                    <a:p>
-                      <a:pPr algn="ctr">
-                        <a:lnSpc>
-                          <a:spcPct val="160000"/>
-                        </a:lnSpc>
-                        <a:spcBef>
-                          <a:spcPts val="0"/>
-                        </a:spcBef>
-                        <a:spcAft>
-                          <a:spcPts val="0"/>
-                        </a:spcAft>
-                      </a:pPr>
-                      <a:r>
-                        <a:rPr lang="ko-KR" altLang="en-US" sz="1400">
-                          <a:solidFill>
-                            <a:schemeClr val="tx1"/>
-                          </a:solidFill>
-                          <a:effectLst/>
-                          <a:latin typeface="Consolas" panose="020B0609020204030204" pitchFamily="49" charset="0"/>
-                        </a:rPr>
-                        <a:t>저거 다이소에도 있음</a:t>
-                      </a:r>
-                      <a:endParaRPr lang="ko-KR" altLang="en-US" sz="1400">
-                        <a:solidFill>
-                          <a:schemeClr val="tx1"/>
-                        </a:solidFill>
-                        <a:effectLst/>
-                      </a:endParaRPr>
-                    </a:p>
-                  </a:txBody>
-                  <a:tcPr marL="57599" marR="57599" marT="57599" marB="57599" anchor="ctr">
-                    <a:lnL w="12700" cap="flat" cmpd="sng" algn="ctr">
-                      <a:solidFill>
-                        <a:schemeClr val="tx1"/>
-                      </a:solidFill>
-                      <a:prstDash val="solid"/>
-                      <a:round/>
-                      <a:headEnd type="none" w="med" len="med"/>
-                      <a:tailEnd type="none" w="med" len="med"/>
-                    </a:lnL>
-                    <a:lnR w="12700" cap="flat" cmpd="sng" algn="ctr">
-                      <a:solidFill>
-                        <a:schemeClr val="tx1"/>
-                      </a:solidFill>
-                      <a:prstDash val="solid"/>
-                      <a:round/>
-                      <a:headEnd type="none" w="med" len="med"/>
-                      <a:tailEnd type="none" w="med" len="med"/>
-                    </a:lnR>
-                    <a:lnT w="12700" cap="flat" cmpd="sng" algn="ctr">
-                      <a:solidFill>
-                        <a:schemeClr val="tx1"/>
-                      </a:solidFill>
-                      <a:prstDash val="solid"/>
-                      <a:round/>
-                      <a:headEnd type="none" w="med" len="med"/>
-                      <a:tailEnd type="none" w="med" len="med"/>
-                    </a:lnT>
-                    <a:lnB w="12700" cap="flat" cmpd="sng" algn="ctr">
-                      <a:solidFill>
-                        <a:schemeClr val="tx1"/>
-                      </a:solidFill>
-                      <a:prstDash val="solid"/>
-                      <a:round/>
-                      <a:headEnd type="none" w="med" len="med"/>
-                      <a:tailEnd type="none" w="med" len="med"/>
-                    </a:lnB>
-                  </a:tcPr>
-                </a:tc>
-                <a:tc>
-                  <a:txBody>
-                    <a:bodyPr/>
-                    <a:lstStyle/>
-                    <a:p>
-                      <a:pPr algn="ctr">
-                        <a:lnSpc>
-                          <a:spcPct val="160000"/>
-                        </a:lnSpc>
-                        <a:spcBef>
-                          <a:spcPts val="0"/>
-                        </a:spcBef>
-                        <a:spcAft>
-                          <a:spcPts val="0"/>
-                        </a:spcAft>
-                      </a:pPr>
-                      <a:r>
-                        <a:rPr lang="en-US" altLang="ko-KR" sz="1400" dirty="0">
-                          <a:solidFill>
-                            <a:schemeClr val="tx1"/>
-                          </a:solidFill>
-                          <a:effectLst/>
-                          <a:latin typeface="맑은 고딕" panose="020B0503020000020004" pitchFamily="50" charset="-127"/>
-                          <a:ea typeface="맑은 고딕" panose="020B0503020000020004" pitchFamily="50" charset="-127"/>
-                        </a:rPr>
-                        <a:t>93.95</a:t>
-                      </a:r>
-                      <a:endParaRPr lang="ko-KR" altLang="en-US" sz="1400" dirty="0">
-                        <a:solidFill>
-                          <a:schemeClr val="tx1"/>
-                        </a:solidFill>
-                        <a:effectLst/>
-                      </a:endParaRPr>
-                    </a:p>
-                  </a:txBody>
-                  <a:tcPr marL="57599" marR="57599" marT="57599" marB="57599" anchor="ctr">
-                    <a:lnL w="12700" cap="flat" cmpd="sng" algn="ctr">
-                      <a:solidFill>
-                        <a:schemeClr val="tx1"/>
-                      </a:solidFill>
-                      <a:prstDash val="solid"/>
-                      <a:round/>
-                      <a:headEnd type="none" w="med" len="med"/>
-                      <a:tailEnd type="none" w="med" len="med"/>
-                    </a:lnL>
-                    <a:lnR w="12700" cap="flat" cmpd="sng" algn="ctr">
-                      <a:solidFill>
-                        <a:schemeClr val="tx1"/>
-                      </a:solidFill>
-                      <a:prstDash val="solid"/>
-                      <a:round/>
-                      <a:headEnd type="none" w="med" len="med"/>
-                      <a:tailEnd type="none" w="med" len="med"/>
-                    </a:lnR>
-                    <a:lnT w="12700" cap="flat" cmpd="sng" algn="ctr">
-                      <a:solidFill>
-                        <a:schemeClr val="tx1"/>
-                      </a:solidFill>
-                      <a:prstDash val="solid"/>
-                      <a:round/>
-                      <a:headEnd type="none" w="med" len="med"/>
-                      <a:tailEnd type="none" w="med" len="med"/>
-                    </a:lnT>
-                    <a:lnB w="12700" cap="flat" cmpd="sng" algn="ctr">
-                      <a:solidFill>
-                        <a:schemeClr val="tx1"/>
-                      </a:solidFill>
-                      <a:prstDash val="solid"/>
-                      <a:round/>
-                      <a:headEnd type="none" w="med" len="med"/>
-                      <a:tailEnd type="none" w="med" len="med"/>
-                    </a:lnB>
-                  </a:tcPr>
-                </a:tc>
-                <a:tc>
-                  <a:txBody>
-                    <a:bodyPr/>
-                    <a:lstStyle/>
-                    <a:p>
-                      <a:pPr algn="ctr">
-                        <a:lnSpc>
-                          <a:spcPct val="160000"/>
-                        </a:lnSpc>
-                        <a:spcBef>
-                          <a:spcPts val="0"/>
-                        </a:spcBef>
-                        <a:spcAft>
-                          <a:spcPts val="0"/>
-                        </a:spcAft>
-                      </a:pPr>
-                      <a:r>
-                        <a:rPr lang="ko-KR" altLang="en-US" sz="1400" dirty="0">
-                          <a:solidFill>
-                            <a:schemeClr val="tx1"/>
-                          </a:solidFill>
-                          <a:effectLst/>
-                          <a:latin typeface="맑은 고딕" panose="020B0503020000020004" pitchFamily="50" charset="-127"/>
-                          <a:ea typeface="맑은 고딕" panose="020B0503020000020004" pitchFamily="50" charset="-127"/>
-                        </a:rPr>
-                        <a:t>정상</a:t>
-                      </a:r>
-                      <a:endParaRPr lang="ko-KR" altLang="en-US" sz="1400" dirty="0">
-                        <a:solidFill>
-                          <a:schemeClr val="tx1"/>
-                        </a:solidFill>
-                        <a:effectLst/>
-                      </a:endParaRPr>
-                    </a:p>
-                  </a:txBody>
-                  <a:tcPr marL="57599" marR="57599" marT="57599" marB="57599" anchor="ctr">
-                    <a:lnL w="12700" cap="flat" cmpd="sng" algn="ctr">
-                      <a:solidFill>
-                        <a:schemeClr val="tx1"/>
-                      </a:solidFill>
-                      <a:prstDash val="solid"/>
-                      <a:round/>
-                      <a:headEnd type="none" w="med" len="med"/>
-                      <a:tailEnd type="none" w="med" len="med"/>
-                    </a:lnL>
-                    <a:lnR w="12700" cap="flat" cmpd="sng" algn="ctr">
-                      <a:solidFill>
-                        <a:schemeClr val="tx1"/>
-                      </a:solidFill>
-                      <a:prstDash val="solid"/>
-                      <a:round/>
-                      <a:headEnd type="none" w="med" len="med"/>
-                      <a:tailEnd type="none" w="med" len="med"/>
-                    </a:lnR>
-                    <a:lnT w="12700" cap="flat" cmpd="sng" algn="ctr">
-                      <a:solidFill>
-                        <a:schemeClr val="tx1"/>
-                      </a:solidFill>
-                      <a:prstDash val="solid"/>
-                      <a:round/>
-                      <a:headEnd type="none" w="med" len="med"/>
-                      <a:tailEnd type="none" w="med" len="med"/>
-                    </a:lnT>
-                    <a:lnB w="12700" cap="flat" cmpd="sng" algn="ctr">
-                      <a:solidFill>
-                        <a:schemeClr val="tx1"/>
-                      </a:solidFill>
-                      <a:prstDash val="solid"/>
-                      <a:round/>
-                      <a:headEnd type="none" w="med" len="med"/>
-                      <a:tailEnd type="none" w="med" len="med"/>
-                    </a:lnB>
-                  </a:tcPr>
-                </a:tc>
-                <a:extLst>
-                  <a:ext uri="{0D108BD9-81ED-4DB2-BD59-A6C34878D82A}">
-                    <a16:rowId xmlns:a16="http://schemas.microsoft.com/office/drawing/2014/main" val="2773633358"/>
-                  </a:ext>
-                </a:extLst>
-              </a:tr>
-              <a:tr h="451081">
-                <a:tc>
-                  <a:txBody>
-                    <a:bodyPr/>
-                    <a:lstStyle/>
-                    <a:p>
-                      <a:pPr algn="ctr">
-                        <a:lnSpc>
-                          <a:spcPct val="160000"/>
-                        </a:lnSpc>
-                        <a:spcBef>
-                          <a:spcPts val="0"/>
-                        </a:spcBef>
-                        <a:spcAft>
-                          <a:spcPts val="0"/>
-                        </a:spcAft>
-                      </a:pPr>
-                      <a:r>
-                        <a:rPr lang="ko-KR" altLang="en-US" sz="1400">
-                          <a:solidFill>
-                            <a:schemeClr val="tx1"/>
-                          </a:solidFill>
-                          <a:effectLst/>
-                          <a:latin typeface="Consolas" panose="020B0609020204030204" pitchFamily="49" charset="0"/>
-                        </a:rPr>
-                        <a:t>어떻게 됐건 민주당이 </a:t>
-                      </a:r>
-                      <a:r>
-                        <a:rPr lang="en-US" altLang="ko-KR" sz="1400">
-                          <a:solidFill>
-                            <a:schemeClr val="tx1"/>
-                          </a:solidFill>
-                          <a:effectLst/>
-                          <a:latin typeface="Courier New" panose="02070309020205020404" pitchFamily="49" charset="0"/>
-                        </a:rPr>
-                        <a:t>180</a:t>
-                      </a:r>
-                      <a:r>
-                        <a:rPr lang="ko-KR" altLang="en-US" sz="1400">
-                          <a:solidFill>
-                            <a:schemeClr val="tx1"/>
-                          </a:solidFill>
-                          <a:effectLst/>
-                          <a:latin typeface="Consolas" panose="020B0609020204030204" pitchFamily="49" charset="0"/>
-                        </a:rPr>
-                        <a:t>석인데 건드리기 힘들지 병신련아 ㅋㅋㅋㅋㅋㅋㅋㅋ</a:t>
-                      </a:r>
-                      <a:endParaRPr lang="ko-KR" altLang="en-US" sz="1400">
-                        <a:solidFill>
-                          <a:schemeClr val="tx1"/>
-                        </a:solidFill>
-                        <a:effectLst/>
-                      </a:endParaRPr>
-                    </a:p>
-                  </a:txBody>
-                  <a:tcPr marL="57599" marR="57599" marT="57599" marB="57599" anchor="ctr">
-                    <a:lnL w="12700" cap="flat" cmpd="sng" algn="ctr">
-                      <a:solidFill>
-                        <a:schemeClr val="tx1"/>
-                      </a:solidFill>
-                      <a:prstDash val="solid"/>
-                      <a:round/>
-                      <a:headEnd type="none" w="med" len="med"/>
-                      <a:tailEnd type="none" w="med" len="med"/>
-                    </a:lnL>
-                    <a:lnR w="12700" cap="flat" cmpd="sng" algn="ctr">
-                      <a:solidFill>
-                        <a:schemeClr val="tx1"/>
-                      </a:solidFill>
-                      <a:prstDash val="solid"/>
-                      <a:round/>
-                      <a:headEnd type="none" w="med" len="med"/>
-                      <a:tailEnd type="none" w="med" len="med"/>
-                    </a:lnR>
-                    <a:lnT w="12700" cap="flat" cmpd="sng" algn="ctr">
-                      <a:solidFill>
-                        <a:schemeClr val="tx1"/>
-                      </a:solidFill>
-                      <a:prstDash val="solid"/>
-                      <a:round/>
-                      <a:headEnd type="none" w="med" len="med"/>
-                      <a:tailEnd type="none" w="med" len="med"/>
-                    </a:lnT>
-                    <a:lnB w="12700" cap="flat" cmpd="sng" algn="ctr">
-                      <a:solidFill>
-                        <a:schemeClr val="tx1"/>
-                      </a:solidFill>
-                      <a:prstDash val="solid"/>
-                      <a:round/>
-                      <a:headEnd type="none" w="med" len="med"/>
-                      <a:tailEnd type="none" w="med" len="med"/>
-                    </a:lnB>
-                  </a:tcPr>
-                </a:tc>
-                <a:tc>
-                  <a:txBody>
-                    <a:bodyPr/>
-                    <a:lstStyle/>
-                    <a:p>
-                      <a:pPr algn="ctr">
-                        <a:lnSpc>
-                          <a:spcPct val="160000"/>
-                        </a:lnSpc>
-                        <a:spcBef>
-                          <a:spcPts val="0"/>
-                        </a:spcBef>
-                        <a:spcAft>
-                          <a:spcPts val="0"/>
-                        </a:spcAft>
-                      </a:pPr>
-                      <a:r>
-                        <a:rPr lang="en-US" altLang="ko-KR" sz="1400" dirty="0">
-                          <a:solidFill>
-                            <a:schemeClr val="tx1"/>
-                          </a:solidFill>
-                          <a:effectLst/>
-                          <a:latin typeface="맑은 고딕" panose="020B0503020000020004" pitchFamily="50" charset="-127"/>
-                          <a:ea typeface="맑은 고딕" panose="020B0503020000020004" pitchFamily="50" charset="-127"/>
-                        </a:rPr>
-                        <a:t>63.11</a:t>
-                      </a:r>
-                      <a:endParaRPr lang="ko-KR" altLang="en-US" sz="1400" dirty="0">
-                        <a:solidFill>
-                          <a:schemeClr val="tx1"/>
-                        </a:solidFill>
-                        <a:effectLst/>
-                      </a:endParaRPr>
-                    </a:p>
-                  </a:txBody>
-                  <a:tcPr marL="57599" marR="57599" marT="57599" marB="57599" anchor="ctr">
-                    <a:lnL w="12700" cap="flat" cmpd="sng" algn="ctr">
-                      <a:solidFill>
-                        <a:schemeClr val="tx1"/>
-                      </a:solidFill>
-                      <a:prstDash val="solid"/>
-                      <a:round/>
-                      <a:headEnd type="none" w="med" len="med"/>
-                      <a:tailEnd type="none" w="med" len="med"/>
-                    </a:lnL>
-                    <a:lnR w="12700" cap="flat" cmpd="sng" algn="ctr">
-                      <a:solidFill>
-                        <a:schemeClr val="tx1"/>
-                      </a:solidFill>
-                      <a:prstDash val="solid"/>
-                      <a:round/>
-                      <a:headEnd type="none" w="med" len="med"/>
-                      <a:tailEnd type="none" w="med" len="med"/>
-                    </a:lnR>
-                    <a:lnT w="12700" cap="flat" cmpd="sng" algn="ctr">
-                      <a:solidFill>
-                        <a:schemeClr val="tx1"/>
-                      </a:solidFill>
-                      <a:prstDash val="solid"/>
-                      <a:round/>
-                      <a:headEnd type="none" w="med" len="med"/>
-                      <a:tailEnd type="none" w="med" len="med"/>
-                    </a:lnT>
-                    <a:lnB w="12700" cap="flat" cmpd="sng" algn="ctr">
-                      <a:solidFill>
-                        <a:schemeClr val="tx1"/>
-                      </a:solidFill>
-                      <a:prstDash val="solid"/>
-                      <a:round/>
-                      <a:headEnd type="none" w="med" len="med"/>
-                      <a:tailEnd type="none" w="med" len="med"/>
-                    </a:lnB>
-                  </a:tcPr>
-                </a:tc>
-                <a:tc>
-                  <a:txBody>
-                    <a:bodyPr/>
-                    <a:lstStyle/>
-                    <a:p>
-                      <a:pPr algn="ctr">
-                        <a:lnSpc>
-                          <a:spcPct val="160000"/>
-                        </a:lnSpc>
-                        <a:spcBef>
-                          <a:spcPts val="0"/>
-                        </a:spcBef>
-                        <a:spcAft>
-                          <a:spcPts val="0"/>
-                        </a:spcAft>
-                      </a:pPr>
-                      <a:r>
-                        <a:rPr lang="ko-KR" altLang="en-US" sz="1400" dirty="0">
-                          <a:solidFill>
-                            <a:schemeClr val="tx1"/>
-                          </a:solidFill>
-                          <a:effectLst/>
-                          <a:latin typeface="맑은 고딕" panose="020B0503020000020004" pitchFamily="50" charset="-127"/>
-                          <a:ea typeface="맑은 고딕" panose="020B0503020000020004" pitchFamily="50" charset="-127"/>
-                        </a:rPr>
-                        <a:t>부정</a:t>
-                      </a:r>
-                      <a:endParaRPr lang="ko-KR" altLang="en-US" sz="1400" dirty="0">
-                        <a:solidFill>
-                          <a:schemeClr val="tx1"/>
-                        </a:solidFill>
-                        <a:effectLst/>
-                      </a:endParaRPr>
-                    </a:p>
-                  </a:txBody>
-                  <a:tcPr marL="57599" marR="57599" marT="57599" marB="57599" anchor="ctr">
-                    <a:lnL w="12700" cap="flat" cmpd="sng" algn="ctr">
-                      <a:solidFill>
-                        <a:schemeClr val="tx1"/>
-                      </a:solidFill>
-                      <a:prstDash val="solid"/>
-                      <a:round/>
-                      <a:headEnd type="none" w="med" len="med"/>
-                      <a:tailEnd type="none" w="med" len="med"/>
-                    </a:lnL>
-                    <a:lnR w="12700" cap="flat" cmpd="sng" algn="ctr">
-                      <a:solidFill>
-                        <a:schemeClr val="tx1"/>
-                      </a:solidFill>
-                      <a:prstDash val="solid"/>
-                      <a:round/>
-                      <a:headEnd type="none" w="med" len="med"/>
-                      <a:tailEnd type="none" w="med" len="med"/>
-                    </a:lnR>
-                    <a:lnT w="12700" cap="flat" cmpd="sng" algn="ctr">
-                      <a:solidFill>
-                        <a:schemeClr val="tx1"/>
-                      </a:solidFill>
-                      <a:prstDash val="solid"/>
-                      <a:round/>
-                      <a:headEnd type="none" w="med" len="med"/>
-                      <a:tailEnd type="none" w="med" len="med"/>
-                    </a:lnT>
-                    <a:lnB w="12700" cap="flat" cmpd="sng" algn="ctr">
-                      <a:solidFill>
-                        <a:schemeClr val="tx1"/>
-                      </a:solidFill>
-                      <a:prstDash val="solid"/>
-                      <a:round/>
-                      <a:headEnd type="none" w="med" len="med"/>
-                      <a:tailEnd type="none" w="med" len="med"/>
-                    </a:lnB>
+                    <a:solidFill>
+                      <a:schemeClr val="accent2">
+                        <a:lumMod val="40000"/>
+                        <a:lumOff val="60000"/>
+                      </a:schemeClr>
+                    </a:solidFill>
                   </a:tcPr>
                 </a:tc>
                 <a:extLst>
@@ -17196,7 +17246,7 @@
           <p:nvPr>
             <p:extLst>
               <p:ext uri="{D42A27DB-BD31-4B8C-83A1-F6EECF244321}">
-                <p14:modId xmlns:p14="http://schemas.microsoft.com/office/powerpoint/2010/main" val="2809378231"/>
+                <p14:modId xmlns:p14="http://schemas.microsoft.com/office/powerpoint/2010/main" val="3842193184"/>
               </p:ext>
             </p:extLst>
           </p:nvPr>
@@ -17479,7 +17529,7 @@
                         </a:spcAft>
                       </a:pPr>
                       <a:r>
-                        <a:rPr lang="ko-KR" altLang="en-US" sz="1400">
+                        <a:rPr lang="ko-KR" altLang="en-US" sz="1400" dirty="0">
                           <a:solidFill>
                             <a:schemeClr val="tx1"/>
                           </a:solidFill>
@@ -17489,7 +17539,7 @@
                         <a:t>노잼 </a:t>
                       </a:r>
                       <a:r>
-                        <a:rPr lang="en-US" altLang="ko-KR" sz="1400">
+                        <a:rPr lang="en-US" altLang="ko-KR" sz="1400" dirty="0">
                           <a:solidFill>
                             <a:schemeClr val="tx1"/>
                           </a:solidFill>
@@ -17499,7 +17549,7 @@
                         <a:t>..</a:t>
                       </a:r>
                       <a:r>
-                        <a:rPr lang="ko-KR" altLang="en-US" sz="1400">
+                        <a:rPr lang="ko-KR" altLang="en-US" sz="1400" dirty="0">
                           <a:solidFill>
                             <a:schemeClr val="tx1"/>
                           </a:solidFill>
@@ -17509,7 +17559,7 @@
                         <a:t>완전 재미 없음 </a:t>
                       </a:r>
                       <a:r>
-                        <a:rPr lang="ko-KR" altLang="en-US" sz="1400" err="1">
+                        <a:rPr lang="ko-KR" altLang="en-US" sz="1400" dirty="0" err="1">
                           <a:solidFill>
                             <a:schemeClr val="tx1"/>
                           </a:solidFill>
@@ -17518,7 +17568,7 @@
                         </a:rPr>
                         <a:t>ㅉㅉ</a:t>
                       </a:r>
-                      <a:endParaRPr lang="ko-KR" altLang="en-US" sz="1400">
+                      <a:endParaRPr lang="ko-KR" altLang="en-US" sz="1400" dirty="0">
                         <a:solidFill>
                           <a:schemeClr val="tx1"/>
                         </a:solidFill>
@@ -17563,6 +17613,12 @@
                       <a:headEnd type="none" w="med" len="med"/>
                       <a:tailEnd type="none" w="med" len="med"/>
                     </a:lnB>
+                    <a:solidFill>
+                      <a:schemeClr val="accent2">
+                        <a:lumMod val="40000"/>
+                        <a:lumOff val="60000"/>
+                      </a:schemeClr>
+                    </a:solidFill>
                   </a:tcPr>
                 </a:tc>
                 <a:tc>
@@ -17634,6 +17690,12 @@
                       <a:headEnd type="none" w="med" len="med"/>
                       <a:tailEnd type="none" w="med" len="med"/>
                     </a:lnB>
+                    <a:solidFill>
+                      <a:schemeClr val="accent2">
+                        <a:lumMod val="40000"/>
+                        <a:lumOff val="60000"/>
+                      </a:schemeClr>
+                    </a:solidFill>
                   </a:tcPr>
                 </a:tc>
                 <a:tc>
@@ -17705,6 +17767,12 @@
                       <a:headEnd type="none" w="med" len="med"/>
                       <a:tailEnd type="none" w="med" len="med"/>
                     </a:lnB>
+                    <a:solidFill>
+                      <a:schemeClr val="accent2">
+                        <a:lumMod val="40000"/>
+                        <a:lumOff val="60000"/>
+                      </a:schemeClr>
+                    </a:solidFill>
                   </a:tcPr>
                 </a:tc>
                 <a:extLst>
@@ -18185,7 +18253,7 @@
                         </a:spcAft>
                       </a:pPr>
                       <a:r>
-                        <a:rPr lang="ko-KR" altLang="en-US" sz="1400" err="1">
+                        <a:rPr lang="ko-KR" altLang="en-US" sz="1400" dirty="0" err="1">
                           <a:solidFill>
                             <a:schemeClr val="tx1"/>
                           </a:solidFill>
@@ -18195,7 +18263,7 @@
                         <a:t>조센징답다</a:t>
                       </a:r>
                       <a:r>
-                        <a:rPr lang="ko-KR" altLang="en-US" sz="1400">
+                        <a:rPr lang="ko-KR" altLang="en-US" sz="1400" dirty="0">
                           <a:solidFill>
                             <a:schemeClr val="tx1"/>
                           </a:solidFill>
@@ -18205,7 +18273,7 @@
                         <a:t> </a:t>
                       </a:r>
                       <a:r>
-                        <a:rPr lang="ko-KR" altLang="en-US" sz="1400" err="1">
+                        <a:rPr lang="ko-KR" altLang="en-US" sz="1400" dirty="0" err="1">
                           <a:solidFill>
                             <a:schemeClr val="tx1"/>
                           </a:solidFill>
@@ -18215,7 +18283,7 @@
                         <a:t>열등종</a:t>
                       </a:r>
                       <a:r>
-                        <a:rPr lang="ko-KR" altLang="en-US" sz="1400">
+                        <a:rPr lang="ko-KR" altLang="en-US" sz="1400" dirty="0">
                           <a:solidFill>
                             <a:schemeClr val="tx1"/>
                           </a:solidFill>
@@ -18225,7 +18293,7 @@
                         <a:t> </a:t>
                       </a:r>
                       <a:r>
-                        <a:rPr lang="ko-KR" altLang="en-US" sz="1400" err="1">
+                        <a:rPr lang="ko-KR" altLang="en-US" sz="1400" dirty="0" err="1">
                           <a:solidFill>
                             <a:schemeClr val="tx1"/>
                           </a:solidFill>
@@ -18234,7 +18302,7 @@
                         </a:rPr>
                         <a:t>센숭이</a:t>
                       </a:r>
-                      <a:endParaRPr lang="ko-KR" altLang="en-US" sz="1400">
+                      <a:endParaRPr lang="ko-KR" altLang="en-US" sz="1400" dirty="0">
                         <a:solidFill>
                           <a:schemeClr val="tx1"/>
                         </a:solidFill>
@@ -18279,6 +18347,12 @@
                       <a:headEnd type="none" w="med" len="med"/>
                       <a:tailEnd type="none" w="med" len="med"/>
                     </a:lnB>
+                    <a:solidFill>
+                      <a:schemeClr val="accent2">
+                        <a:lumMod val="40000"/>
+                        <a:lumOff val="60000"/>
+                      </a:schemeClr>
+                    </a:solidFill>
                   </a:tcPr>
                 </a:tc>
                 <a:tc>
@@ -18350,6 +18424,12 @@
                       <a:headEnd type="none" w="med" len="med"/>
                       <a:tailEnd type="none" w="med" len="med"/>
                     </a:lnB>
+                    <a:solidFill>
+                      <a:schemeClr val="accent2">
+                        <a:lumMod val="40000"/>
+                        <a:lumOff val="60000"/>
+                      </a:schemeClr>
+                    </a:solidFill>
                   </a:tcPr>
                 </a:tc>
                 <a:tc>
@@ -18421,6 +18501,12 @@
                       <a:headEnd type="none" w="med" len="med"/>
                       <a:tailEnd type="none" w="med" len="med"/>
                     </a:lnB>
+                    <a:solidFill>
+                      <a:schemeClr val="accent2">
+                        <a:lumMod val="40000"/>
+                        <a:lumOff val="60000"/>
+                      </a:schemeClr>
+                    </a:solidFill>
                   </a:tcPr>
                 </a:tc>
                 <a:extLst>
@@ -18919,6 +19005,92 @@
                     <a:bodyPr/>
                     <a:lstStyle/>
                     <a:p>
+                      <a:pPr algn="ctr"/>
+                      <a:r>
+                        <a:rPr lang="ko-KR" altLang="en-US" sz="1400" b="0" kern="1200" dirty="0">
+                          <a:solidFill>
+                            <a:schemeClr val="tx1"/>
+                          </a:solidFill>
+                          <a:effectLst/>
+                          <a:latin typeface="+mn-lt"/>
+                          <a:ea typeface="+mn-ea"/>
+                          <a:cs typeface="+mn-cs"/>
+                        </a:rPr>
+                        <a:t>역시 홍어는 </a:t>
+                      </a:r>
+                      <a:r>
+                        <a:rPr lang="ko-KR" altLang="en-US" sz="1400" b="0" kern="1200" dirty="0" err="1">
+                          <a:solidFill>
+                            <a:schemeClr val="tx1"/>
+                          </a:solidFill>
+                          <a:effectLst/>
+                          <a:latin typeface="+mn-lt"/>
+                          <a:ea typeface="+mn-ea"/>
+                          <a:cs typeface="+mn-cs"/>
+                        </a:rPr>
+                        <a:t>별로야</a:t>
+                      </a:r>
+                      <a:endParaRPr lang="ko-KR" altLang="en-US" sz="1400" b="0" kern="1200" dirty="0">
+                        <a:solidFill>
+                          <a:schemeClr val="tx1"/>
+                        </a:solidFill>
+                        <a:effectLst/>
+                        <a:latin typeface="+mn-lt"/>
+                        <a:ea typeface="+mn-ea"/>
+                        <a:cs typeface="+mn-cs"/>
+                      </a:endParaRPr>
+                    </a:p>
+                  </a:txBody>
+                  <a:tcPr marL="57599" marR="57599" marT="57599" marB="57599" anchor="ctr">
+                    <a:lnL w="12700" cap="flat" cmpd="sng" algn="ctr">
+                      <a:solidFill>
+                        <a:schemeClr val="tx1"/>
+                      </a:solidFill>
+                      <a:prstDash val="solid"/>
+                      <a:round/>
+                      <a:headEnd type="none" w="med" len="med"/>
+                      <a:tailEnd type="none" w="med" len="med"/>
+                    </a:lnL>
+                    <a:lnR w="12700" cap="flat" cmpd="sng" algn="ctr">
+                      <a:solidFill>
+                        <a:schemeClr val="tx1"/>
+                      </a:solidFill>
+                      <a:prstDash val="solid"/>
+                      <a:round/>
+                      <a:headEnd type="none" w="med" len="med"/>
+                      <a:tailEnd type="none" w="med" len="med"/>
+                    </a:lnR>
+                    <a:lnT w="12700" cap="flat" cmpd="sng" algn="ctr">
+                      <a:solidFill>
+                        <a:schemeClr val="tx1"/>
+                      </a:solidFill>
+                      <a:prstDash val="solid"/>
+                      <a:round/>
+                      <a:headEnd type="none" w="med" len="med"/>
+                      <a:tailEnd type="none" w="med" len="med"/>
+                    </a:lnT>
+                    <a:lnB w="12700" cap="flat" cmpd="sng" algn="ctr">
+                      <a:solidFill>
+                        <a:schemeClr val="tx1"/>
+                      </a:solidFill>
+                      <a:prstDash val="solid"/>
+                      <a:round/>
+                      <a:headEnd type="none" w="med" len="med"/>
+                      <a:tailEnd type="none" w="med" len="med"/>
+                    </a:lnB>
+                    <a:solidFill>
+                      <a:schemeClr val="accent2">
+                        <a:lumMod val="40000"/>
+                        <a:lumOff val="60000"/>
+                      </a:schemeClr>
+                    </a:solidFill>
+                  </a:tcPr>
+                </a:tc>
+                <a:tc>
+                  <a:txBody>
+                    <a:bodyPr/>
+                    <a:lstStyle/>
+                    <a:p>
                       <a:pPr algn="ctr">
                         <a:lnSpc>
                           <a:spcPct val="160000"/>
@@ -18931,30 +19103,175 @@
                         </a:spcAft>
                       </a:pPr>
                       <a:r>
-                        <a:rPr lang="ko-KR" altLang="en-US" sz="1400" err="1">
+                        <a:rPr lang="en-US" altLang="ko-KR" sz="1400" dirty="0">
+                          <a:effectLst/>
+                        </a:rPr>
+                        <a:t>89.02</a:t>
+                      </a:r>
+                      <a:endParaRPr lang="ko-KR" altLang="en-US" sz="1400" dirty="0">
+                        <a:effectLst/>
+                      </a:endParaRPr>
+                    </a:p>
+                  </a:txBody>
+                  <a:tcPr marL="57599" marR="57599" marT="57599" marB="57599" anchor="ctr">
+                    <a:lnL w="12700" cap="flat" cmpd="sng" algn="ctr">
+                      <a:solidFill>
+                        <a:schemeClr val="tx1"/>
+                      </a:solidFill>
+                      <a:prstDash val="solid"/>
+                      <a:round/>
+                      <a:headEnd type="none" w="med" len="med"/>
+                      <a:tailEnd type="none" w="med" len="med"/>
+                    </a:lnL>
+                    <a:lnR w="12700" cap="flat" cmpd="sng" algn="ctr">
+                      <a:solidFill>
+                        <a:schemeClr val="tx1"/>
+                      </a:solidFill>
+                      <a:prstDash val="solid"/>
+                      <a:round/>
+                      <a:headEnd type="none" w="med" len="med"/>
+                      <a:tailEnd type="none" w="med" len="med"/>
+                    </a:lnR>
+                    <a:lnT w="12700" cap="flat" cmpd="sng" algn="ctr">
+                      <a:solidFill>
+                        <a:schemeClr val="tx1"/>
+                      </a:solidFill>
+                      <a:prstDash val="solid"/>
+                      <a:round/>
+                      <a:headEnd type="none" w="med" len="med"/>
+                      <a:tailEnd type="none" w="med" len="med"/>
+                    </a:lnT>
+                    <a:lnB w="12700" cap="flat" cmpd="sng" algn="ctr">
+                      <a:solidFill>
+                        <a:schemeClr val="tx1"/>
+                      </a:solidFill>
+                      <a:prstDash val="solid"/>
+                      <a:round/>
+                      <a:headEnd type="none" w="med" len="med"/>
+                      <a:tailEnd type="none" w="med" len="med"/>
+                    </a:lnB>
+                    <a:solidFill>
+                      <a:schemeClr val="accent2">
+                        <a:lumMod val="40000"/>
+                        <a:lumOff val="60000"/>
+                      </a:schemeClr>
+                    </a:solidFill>
+                  </a:tcPr>
+                </a:tc>
+                <a:tc>
+                  <a:txBody>
+                    <a:bodyPr/>
+                    <a:lstStyle/>
+                    <a:p>
+                      <a:pPr algn="ctr">
+                        <a:lnSpc>
+                          <a:spcPct val="160000"/>
+                        </a:lnSpc>
+                        <a:spcBef>
+                          <a:spcPts val="0"/>
+                        </a:spcBef>
+                        <a:spcAft>
+                          <a:spcPts val="0"/>
+                        </a:spcAft>
+                      </a:pPr>
+                      <a:r>
+                        <a:rPr lang="ko-KR" altLang="en-US" sz="1400" dirty="0">
+                          <a:effectLst/>
+                        </a:rPr>
+                        <a:t>부정</a:t>
+                      </a:r>
+                    </a:p>
+                  </a:txBody>
+                  <a:tcPr marL="57599" marR="57599" marT="57599" marB="57599" anchor="ctr">
+                    <a:lnL w="12700" cap="flat" cmpd="sng" algn="ctr">
+                      <a:solidFill>
+                        <a:schemeClr val="tx1"/>
+                      </a:solidFill>
+                      <a:prstDash val="solid"/>
+                      <a:round/>
+                      <a:headEnd type="none" w="med" len="med"/>
+                      <a:tailEnd type="none" w="med" len="med"/>
+                    </a:lnL>
+                    <a:lnR w="12700" cap="flat" cmpd="sng" algn="ctr">
+                      <a:solidFill>
+                        <a:schemeClr val="tx1"/>
+                      </a:solidFill>
+                      <a:prstDash val="solid"/>
+                      <a:round/>
+                      <a:headEnd type="none" w="med" len="med"/>
+                      <a:tailEnd type="none" w="med" len="med"/>
+                    </a:lnR>
+                    <a:lnT w="12700" cap="flat" cmpd="sng" algn="ctr">
+                      <a:solidFill>
+                        <a:schemeClr val="tx1"/>
+                      </a:solidFill>
+                      <a:prstDash val="solid"/>
+                      <a:round/>
+                      <a:headEnd type="none" w="med" len="med"/>
+                      <a:tailEnd type="none" w="med" len="med"/>
+                    </a:lnT>
+                    <a:lnB w="12700" cap="flat" cmpd="sng" algn="ctr">
+                      <a:solidFill>
+                        <a:schemeClr val="tx1"/>
+                      </a:solidFill>
+                      <a:prstDash val="solid"/>
+                      <a:round/>
+                      <a:headEnd type="none" w="med" len="med"/>
+                      <a:tailEnd type="none" w="med" len="med"/>
+                    </a:lnB>
+                    <a:solidFill>
+                      <a:schemeClr val="accent2">
+                        <a:lumMod val="40000"/>
+                        <a:lumOff val="60000"/>
+                      </a:schemeClr>
+                    </a:solidFill>
+                  </a:tcPr>
+                </a:tc>
+                <a:extLst>
+                  <a:ext uri="{0D108BD9-81ED-4DB2-BD59-A6C34878D82A}">
+                    <a16:rowId xmlns:a16="http://schemas.microsoft.com/office/drawing/2014/main" val="582051247"/>
+                  </a:ext>
+                </a:extLst>
+              </a:tr>
+              <a:tr h="443291">
+                <a:tc>
+                  <a:txBody>
+                    <a:bodyPr/>
+                    <a:lstStyle/>
+                    <a:p>
+                      <a:pPr algn="ctr"/>
+                      <a:r>
+                        <a:rPr lang="ko-KR" altLang="en-US" sz="1400" b="0" kern="1200" dirty="0">
                           <a:solidFill>
                             <a:schemeClr val="tx1"/>
                           </a:solidFill>
                           <a:effectLst/>
-                          <a:latin typeface="Consolas" panose="020B0609020204030204" pitchFamily="49" charset="0"/>
+                          <a:latin typeface="+mn-lt"/>
+                          <a:ea typeface="+mn-ea"/>
+                          <a:cs typeface="+mn-cs"/>
                         </a:rPr>
-                        <a:t>정게로</a:t>
+                        <a:t>역시 전라도 홍어는 </a:t>
                       </a:r>
                       <a:r>
-                        <a:rPr lang="ko-KR" altLang="en-US" sz="1400">
+                        <a:rPr lang="ko-KR" altLang="en-US" sz="1400" b="0" kern="1200" dirty="0" err="1">
                           <a:solidFill>
                             <a:schemeClr val="tx1"/>
                           </a:solidFill>
                           <a:effectLst/>
-                          <a:latin typeface="Consolas" panose="020B0609020204030204" pitchFamily="49" charset="0"/>
+                          <a:latin typeface="+mn-lt"/>
+                          <a:ea typeface="+mn-ea"/>
+                          <a:cs typeface="+mn-cs"/>
                         </a:rPr>
-                        <a:t> 꺼져라</a:t>
+                        <a:t>별로야</a:t>
                       </a:r>
-                      <a:endParaRPr lang="ko-KR" altLang="en-US" sz="1400">
+                      <a:endParaRPr lang="ko-KR" altLang="en-US" sz="1400" b="0" kern="1200" dirty="0">
                         <a:solidFill>
                           <a:schemeClr val="tx1"/>
                         </a:solidFill>
                         <a:effectLst/>
+                        <a:latin typeface="+mn-lt"/>
+                        <a:ea typeface="+mn-ea"/>
+                        <a:cs typeface="+mn-cs"/>
                       </a:endParaRPr>
                     </a:p>
                   </a:txBody>
@@ -19015,478 +19332,9 @@
                       </a:pPr>
                       <a:r>
                         <a:rPr lang="en-US" altLang="ko-KR" sz="1400" dirty="0">
-                          <a:solidFill>
-                            <a:srgbClr val="000000"/>
-                          </a:solidFill>
                           <a:effectLst/>
-                          <a:latin typeface="맑은 고딕" panose="020B0503020000020004" pitchFamily="50" charset="-127"/>
-                          <a:ea typeface="맑은 고딕" panose="020B0503020000020004" pitchFamily="50" charset="-127"/>
                         </a:rPr>
-                        <a:t>97.98</a:t>
-                      </a:r>
-                      <a:endParaRPr lang="ko-KR" altLang="en-US" sz="1400" dirty="0">
-                        <a:effectLst/>
-                      </a:endParaRPr>
-                    </a:p>
-                  </a:txBody>
-                  <a:tcPr marL="57599" marR="57599" marT="57599" marB="57599" anchor="ctr">
-                    <a:lnL w="12700" cap="flat" cmpd="sng" algn="ctr">
-                      <a:solidFill>
-                        <a:schemeClr val="tx1"/>
-                      </a:solidFill>
-                      <a:prstDash val="solid"/>
-                      <a:round/>
-                      <a:headEnd type="none" w="med" len="med"/>
-                      <a:tailEnd type="none" w="med" len="med"/>
-                    </a:lnL>
-                    <a:lnR w="12700" cap="flat" cmpd="sng" algn="ctr">
-                      <a:solidFill>
-                        <a:schemeClr val="tx1"/>
-                      </a:solidFill>
-                      <a:prstDash val="solid"/>
-                      <a:round/>
-                      <a:headEnd type="none" w="med" len="med"/>
-                      <a:tailEnd type="none" w="med" len="med"/>
-                    </a:lnR>
-                    <a:lnT w="12700" cap="flat" cmpd="sng" algn="ctr">
-                      <a:solidFill>
-                        <a:schemeClr val="tx1"/>
-                      </a:solidFill>
-                      <a:prstDash val="solid"/>
-                      <a:round/>
-                      <a:headEnd type="none" w="med" len="med"/>
-                      <a:tailEnd type="none" w="med" len="med"/>
-                    </a:lnT>
-                    <a:lnB w="12700" cap="flat" cmpd="sng" algn="ctr">
-                      <a:solidFill>
-                        <a:schemeClr val="tx1"/>
-                      </a:solidFill>
-                      <a:prstDash val="solid"/>
-                      <a:round/>
-                      <a:headEnd type="none" w="med" len="med"/>
-                      <a:tailEnd type="none" w="med" len="med"/>
-                    </a:lnB>
-                  </a:tcPr>
-                </a:tc>
-                <a:tc>
-                  <a:txBody>
-                    <a:bodyPr/>
-                    <a:lstStyle/>
-                    <a:p>
-                      <a:pPr algn="ctr">
-                        <a:lnSpc>
-                          <a:spcPct val="160000"/>
-                        </a:lnSpc>
-                        <a:spcBef>
-                          <a:spcPts val="0"/>
-                        </a:spcBef>
-                        <a:spcAft>
-                          <a:spcPts val="0"/>
-                        </a:spcAft>
-                      </a:pPr>
-                      <a:r>
-                        <a:rPr lang="ko-KR" altLang="en-US" sz="1400" dirty="0">
-                          <a:solidFill>
-                            <a:srgbClr val="000000"/>
-                          </a:solidFill>
-                          <a:effectLst/>
-                          <a:latin typeface="맑은 고딕" panose="020B0503020000020004" pitchFamily="50" charset="-127"/>
-                          <a:ea typeface="맑은 고딕" panose="020B0503020000020004" pitchFamily="50" charset="-127"/>
-                        </a:rPr>
-                        <a:t>정상</a:t>
-                      </a:r>
-                      <a:endParaRPr lang="ko-KR" altLang="en-US" sz="1400" dirty="0">
-                        <a:effectLst/>
-                      </a:endParaRPr>
-                    </a:p>
-                  </a:txBody>
-                  <a:tcPr marL="57599" marR="57599" marT="57599" marB="57599" anchor="ctr">
-                    <a:lnL w="12700" cap="flat" cmpd="sng" algn="ctr">
-                      <a:solidFill>
-                        <a:schemeClr val="tx1"/>
-                      </a:solidFill>
-                      <a:prstDash val="solid"/>
-                      <a:round/>
-                      <a:headEnd type="none" w="med" len="med"/>
-                      <a:tailEnd type="none" w="med" len="med"/>
-                    </a:lnL>
-                    <a:lnR w="12700" cap="flat" cmpd="sng" algn="ctr">
-                      <a:solidFill>
-                        <a:schemeClr val="tx1"/>
-                      </a:solidFill>
-                      <a:prstDash val="solid"/>
-                      <a:round/>
-                      <a:headEnd type="none" w="med" len="med"/>
-                      <a:tailEnd type="none" w="med" len="med"/>
-                    </a:lnR>
-                    <a:lnT w="12700" cap="flat" cmpd="sng" algn="ctr">
-                      <a:solidFill>
-                        <a:schemeClr val="tx1"/>
-                      </a:solidFill>
-                      <a:prstDash val="solid"/>
-                      <a:round/>
-                      <a:headEnd type="none" w="med" len="med"/>
-                      <a:tailEnd type="none" w="med" len="med"/>
-                    </a:lnT>
-                    <a:lnB w="12700" cap="flat" cmpd="sng" algn="ctr">
-                      <a:solidFill>
-                        <a:schemeClr val="tx1"/>
-                      </a:solidFill>
-                      <a:prstDash val="solid"/>
-                      <a:round/>
-                      <a:headEnd type="none" w="med" len="med"/>
-                      <a:tailEnd type="none" w="med" len="med"/>
-                    </a:lnB>
-                  </a:tcPr>
-                </a:tc>
-                <a:extLst>
-                  <a:ext uri="{0D108BD9-81ED-4DB2-BD59-A6C34878D82A}">
-                    <a16:rowId xmlns:a16="http://schemas.microsoft.com/office/drawing/2014/main" val="582051247"/>
-                  </a:ext>
-                </a:extLst>
-              </a:tr>
-              <a:tr h="443291">
-                <a:tc>
-                  <a:txBody>
-                    <a:bodyPr/>
-                    <a:lstStyle/>
-                    <a:p>
-                      <a:pPr algn="ctr">
-                        <a:lnSpc>
-                          <a:spcPct val="160000"/>
-                        </a:lnSpc>
-                        <a:spcBef>
-                          <a:spcPts val="0"/>
-                        </a:spcBef>
-                        <a:spcAft>
-                          <a:spcPts val="0"/>
-                        </a:spcAft>
-                      </a:pPr>
-                      <a:r>
-                        <a:rPr lang="ko-KR" altLang="en-US" sz="1400">
-                          <a:solidFill>
-                            <a:schemeClr val="tx1"/>
-                          </a:solidFill>
-                          <a:effectLst/>
-                          <a:latin typeface="Consolas" panose="020B0609020204030204" pitchFamily="49" charset="0"/>
-                        </a:rPr>
-                        <a:t>저거 다이소에도 있음</a:t>
-                      </a:r>
-                      <a:endParaRPr lang="ko-KR" altLang="en-US" sz="1400">
-                        <a:solidFill>
-                          <a:schemeClr val="tx1"/>
-                        </a:solidFill>
-                        <a:effectLst/>
-                      </a:endParaRPr>
-                    </a:p>
-                  </a:txBody>
-                  <a:tcPr marL="57599" marR="57599" marT="57599" marB="57599" anchor="ctr">
-                    <a:lnL w="12700" cap="flat" cmpd="sng" algn="ctr">
-                      <a:solidFill>
-                        <a:schemeClr val="tx1"/>
-                      </a:solidFill>
-                      <a:prstDash val="solid"/>
-                      <a:round/>
-                      <a:headEnd type="none" w="med" len="med"/>
-                      <a:tailEnd type="none" w="med" len="med"/>
-                    </a:lnL>
-                    <a:lnR w="12700" cap="flat" cmpd="sng" algn="ctr">
-                      <a:solidFill>
-                        <a:schemeClr val="tx1"/>
-                      </a:solidFill>
-                      <a:prstDash val="solid"/>
-                      <a:round/>
-                      <a:headEnd type="none" w="med" len="med"/>
-                      <a:tailEnd type="none" w="med" len="med"/>
-                    </a:lnR>
-                    <a:lnT w="12700" cap="flat" cmpd="sng" algn="ctr">
-                      <a:solidFill>
-                        <a:schemeClr val="tx1"/>
-                      </a:solidFill>
-                      <a:prstDash val="solid"/>
-                      <a:round/>
-                      <a:headEnd type="none" w="med" len="med"/>
-                      <a:tailEnd type="none" w="med" len="med"/>
-                    </a:lnT>
-                    <a:lnB w="12700" cap="flat" cmpd="sng" algn="ctr">
-                      <a:solidFill>
-                        <a:schemeClr val="tx1"/>
-                      </a:solidFill>
-                      <a:prstDash val="solid"/>
-                      <a:round/>
-                      <a:headEnd type="none" w="med" len="med"/>
-                      <a:tailEnd type="none" w="med" len="med"/>
-                    </a:lnB>
-                  </a:tcPr>
-                </a:tc>
-                <a:tc>
-                  <a:txBody>
-                    <a:bodyPr/>
-                    <a:lstStyle/>
-                    <a:p>
-                      <a:pPr algn="ctr">
-                        <a:lnSpc>
-                          <a:spcPct val="160000"/>
-                        </a:lnSpc>
-                        <a:spcBef>
-                          <a:spcPts val="0"/>
-                        </a:spcBef>
-                        <a:spcAft>
-                          <a:spcPts val="0"/>
-                        </a:spcAft>
-                      </a:pPr>
-                      <a:r>
-                        <a:rPr lang="en-US" altLang="ko-KR" sz="1400" dirty="0">
-                          <a:solidFill>
-                            <a:srgbClr val="000000"/>
-                          </a:solidFill>
-                          <a:effectLst/>
-                          <a:latin typeface="맑은 고딕" panose="020B0503020000020004" pitchFamily="50" charset="-127"/>
-                          <a:ea typeface="맑은 고딕" panose="020B0503020000020004" pitchFamily="50" charset="-127"/>
-                        </a:rPr>
-                        <a:t>96.45</a:t>
-                      </a:r>
-                      <a:endParaRPr lang="ko-KR" altLang="en-US" sz="1400" dirty="0">
-                        <a:effectLst/>
-                      </a:endParaRPr>
-                    </a:p>
-                  </a:txBody>
-                  <a:tcPr marL="57599" marR="57599" marT="57599" marB="57599" anchor="ctr">
-                    <a:lnL w="12700" cap="flat" cmpd="sng" algn="ctr">
-                      <a:solidFill>
-                        <a:schemeClr val="tx1"/>
-                      </a:solidFill>
-                      <a:prstDash val="solid"/>
-                      <a:round/>
-                      <a:headEnd type="none" w="med" len="med"/>
-                      <a:tailEnd type="none" w="med" len="med"/>
-                    </a:lnL>
-                    <a:lnR w="12700" cap="flat" cmpd="sng" algn="ctr">
-                      <a:solidFill>
-                        <a:schemeClr val="tx1"/>
-                      </a:solidFill>
-                      <a:prstDash val="solid"/>
-                      <a:round/>
-                      <a:headEnd type="none" w="med" len="med"/>
-                      <a:tailEnd type="none" w="med" len="med"/>
-                    </a:lnR>
-                    <a:lnT w="12700" cap="flat" cmpd="sng" algn="ctr">
-                      <a:solidFill>
-                        <a:schemeClr val="tx1"/>
-                      </a:solidFill>
-                      <a:prstDash val="solid"/>
-                      <a:round/>
-                      <a:headEnd type="none" w="med" len="med"/>
-                      <a:tailEnd type="none" w="med" len="med"/>
-                    </a:lnT>
-                    <a:lnB w="12700" cap="flat" cmpd="sng" algn="ctr">
-                      <a:solidFill>
-                        <a:schemeClr val="tx1"/>
-                      </a:solidFill>
-                      <a:prstDash val="solid"/>
-                      <a:round/>
-                      <a:headEnd type="none" w="med" len="med"/>
-                      <a:tailEnd type="none" w="med" len="med"/>
-                    </a:lnB>
-                  </a:tcPr>
-                </a:tc>
-                <a:tc>
-                  <a:txBody>
-                    <a:bodyPr/>
-                    <a:lstStyle/>
-                    <a:p>
-                      <a:pPr algn="ctr">
-                        <a:lnSpc>
-                          <a:spcPct val="160000"/>
-                        </a:lnSpc>
-                        <a:spcBef>
-                          <a:spcPts val="0"/>
-                        </a:spcBef>
-                        <a:spcAft>
-                          <a:spcPts val="0"/>
-                        </a:spcAft>
-                      </a:pPr>
-                      <a:r>
-                        <a:rPr lang="ko-KR" altLang="en-US" sz="1400" dirty="0">
-                          <a:solidFill>
-                            <a:srgbClr val="000000"/>
-                          </a:solidFill>
-                          <a:effectLst/>
-                          <a:latin typeface="맑은 고딕" panose="020B0503020000020004" pitchFamily="50" charset="-127"/>
-                          <a:ea typeface="맑은 고딕" panose="020B0503020000020004" pitchFamily="50" charset="-127"/>
-                        </a:rPr>
-                        <a:t>정상</a:t>
-                      </a:r>
-                      <a:endParaRPr lang="ko-KR" altLang="en-US" sz="1400" dirty="0">
-                        <a:effectLst/>
-                      </a:endParaRPr>
-                    </a:p>
-                  </a:txBody>
-                  <a:tcPr marL="57599" marR="57599" marT="57599" marB="57599" anchor="ctr">
-                    <a:lnL w="12700" cap="flat" cmpd="sng" algn="ctr">
-                      <a:solidFill>
-                        <a:schemeClr val="tx1"/>
-                      </a:solidFill>
-                      <a:prstDash val="solid"/>
-                      <a:round/>
-                      <a:headEnd type="none" w="med" len="med"/>
-                      <a:tailEnd type="none" w="med" len="med"/>
-                    </a:lnL>
-                    <a:lnR w="12700" cap="flat" cmpd="sng" algn="ctr">
-                      <a:solidFill>
-                        <a:schemeClr val="tx1"/>
-                      </a:solidFill>
-                      <a:prstDash val="solid"/>
-                      <a:round/>
-                      <a:headEnd type="none" w="med" len="med"/>
-                      <a:tailEnd type="none" w="med" len="med"/>
-                    </a:lnR>
-                    <a:lnT w="12700" cap="flat" cmpd="sng" algn="ctr">
-                      <a:solidFill>
-                        <a:schemeClr val="tx1"/>
-                      </a:solidFill>
-                      <a:prstDash val="solid"/>
-                      <a:round/>
-                      <a:headEnd type="none" w="med" len="med"/>
-                      <a:tailEnd type="none" w="med" len="med"/>
-                    </a:lnT>
-                    <a:lnB w="12700" cap="flat" cmpd="sng" algn="ctr">
-                      <a:solidFill>
-                        <a:schemeClr val="tx1"/>
-                      </a:solidFill>
-                      <a:prstDash val="solid"/>
-                      <a:round/>
-                      <a:headEnd type="none" w="med" len="med"/>
-                      <a:tailEnd type="none" w="med" len="med"/>
-                    </a:lnB>
-                  </a:tcPr>
-                </a:tc>
-                <a:extLst>
-                  <a:ext uri="{0D108BD9-81ED-4DB2-BD59-A6C34878D82A}">
-                    <a16:rowId xmlns:a16="http://schemas.microsoft.com/office/drawing/2014/main" val="2773633358"/>
-                  </a:ext>
-                </a:extLst>
-              </a:tr>
-              <a:tr h="451081">
-                <a:tc>
-                  <a:txBody>
-                    <a:bodyPr/>
-                    <a:lstStyle/>
-                    <a:p>
-                      <a:pPr algn="ctr">
-                        <a:lnSpc>
-                          <a:spcPct val="160000"/>
-                        </a:lnSpc>
-                        <a:spcBef>
-                          <a:spcPts val="0"/>
-                        </a:spcBef>
-                        <a:spcAft>
-                          <a:spcPts val="0"/>
-                        </a:spcAft>
-                      </a:pPr>
-                      <a:r>
-                        <a:rPr lang="ko-KR" altLang="en-US" sz="1400">
-                          <a:solidFill>
-                            <a:schemeClr val="tx1"/>
-                          </a:solidFill>
-                          <a:effectLst/>
-                          <a:latin typeface="Consolas" panose="020B0609020204030204" pitchFamily="49" charset="0"/>
-                        </a:rPr>
-                        <a:t>어떻게 됐건 민주당이 </a:t>
-                      </a:r>
-                      <a:r>
-                        <a:rPr lang="en-US" altLang="ko-KR" sz="1400">
-                          <a:solidFill>
-                            <a:schemeClr val="tx1"/>
-                          </a:solidFill>
-                          <a:effectLst/>
-                          <a:latin typeface="Courier New" panose="02070309020205020404" pitchFamily="49" charset="0"/>
-                        </a:rPr>
-                        <a:t>180</a:t>
-                      </a:r>
-                      <a:r>
-                        <a:rPr lang="ko-KR" altLang="en-US" sz="1400">
-                          <a:solidFill>
-                            <a:schemeClr val="tx1"/>
-                          </a:solidFill>
-                          <a:effectLst/>
-                          <a:latin typeface="Consolas" panose="020B0609020204030204" pitchFamily="49" charset="0"/>
-                        </a:rPr>
-                        <a:t>석인데 건드리기 힘들지 병신련아 ㅋㅋㅋㅋㅋㅋㅋㅋ</a:t>
-                      </a:r>
-                      <a:endParaRPr lang="ko-KR" altLang="en-US" sz="1400">
-                        <a:solidFill>
-                          <a:schemeClr val="tx1"/>
-                        </a:solidFill>
-                        <a:effectLst/>
-                      </a:endParaRPr>
-                    </a:p>
-                  </a:txBody>
-                  <a:tcPr marL="57599" marR="57599" marT="57599" marB="57599" anchor="ctr">
-                    <a:lnL w="12700" cap="flat" cmpd="sng" algn="ctr">
-                      <a:solidFill>
-                        <a:schemeClr val="tx1"/>
-                      </a:solidFill>
-                      <a:prstDash val="solid"/>
-                      <a:round/>
-                      <a:headEnd type="none" w="med" len="med"/>
-                      <a:tailEnd type="none" w="med" len="med"/>
-                    </a:lnL>
-                    <a:lnR w="12700" cap="flat" cmpd="sng" algn="ctr">
-                      <a:solidFill>
-                        <a:schemeClr val="tx1"/>
-                      </a:solidFill>
-                      <a:prstDash val="solid"/>
-                      <a:round/>
-                      <a:headEnd type="none" w="med" len="med"/>
-                      <a:tailEnd type="none" w="med" len="med"/>
-                    </a:lnR>
-                    <a:lnT w="12700" cap="flat" cmpd="sng" algn="ctr">
-                      <a:solidFill>
-                        <a:schemeClr val="tx1"/>
-                      </a:solidFill>
-                      <a:prstDash val="solid"/>
-                      <a:round/>
-                      <a:headEnd type="none" w="med" len="med"/>
-                      <a:tailEnd type="none" w="med" len="med"/>
-                    </a:lnT>
-                    <a:lnB w="12700" cap="flat" cmpd="sng" algn="ctr">
-                      <a:solidFill>
-                        <a:schemeClr val="tx1"/>
-                      </a:solidFill>
-                      <a:prstDash val="solid"/>
-                      <a:round/>
-                      <a:headEnd type="none" w="med" len="med"/>
-                      <a:tailEnd type="none" w="med" len="med"/>
-                    </a:lnB>
-                  </a:tcPr>
-                </a:tc>
-                <a:tc>
-                  <a:txBody>
-                    <a:bodyPr/>
-                    <a:lstStyle/>
-                    <a:p>
-                      <a:pPr algn="ctr">
-                        <a:lnSpc>
-                          <a:spcPct val="160000"/>
-                        </a:lnSpc>
-                        <a:spcBef>
-                          <a:spcPts val="0"/>
-                        </a:spcBef>
-                        <a:spcAft>
-                          <a:spcPts val="0"/>
-                        </a:spcAft>
-                      </a:pPr>
-                      <a:r>
-                        <a:rPr lang="en-US" altLang="ko-KR" sz="1400" dirty="0">
-                          <a:solidFill>
-                            <a:srgbClr val="000000"/>
-                          </a:solidFill>
-                          <a:effectLst/>
-                          <a:latin typeface="맑은 고딕" panose="020B0503020000020004" pitchFamily="50" charset="-127"/>
-                          <a:ea typeface="맑은 고딕" panose="020B0503020000020004" pitchFamily="50" charset="-127"/>
-                        </a:rPr>
-                        <a:t>72.89</a:t>
+                        <a:t>96.36</a:t>
                       </a:r>
                       <a:endParaRPr lang="ko-KR" altLang="en-US" sz="1400" dirty="0">
                         <a:effectLst/>
@@ -19593,6 +19441,288 @@
                       <a:headEnd type="none" w="med" len="med"/>
                       <a:tailEnd type="none" w="med" len="med"/>
                     </a:lnB>
+                  </a:tcPr>
+                </a:tc>
+                <a:extLst>
+                  <a:ext uri="{0D108BD9-81ED-4DB2-BD59-A6C34878D82A}">
+                    <a16:rowId xmlns:a16="http://schemas.microsoft.com/office/drawing/2014/main" val="2773633358"/>
+                  </a:ext>
+                </a:extLst>
+              </a:tr>
+              <a:tr h="451081">
+                <a:tc>
+                  <a:txBody>
+                    <a:bodyPr/>
+                    <a:lstStyle/>
+                    <a:p>
+                      <a:pPr algn="ctr">
+                        <a:lnSpc>
+                          <a:spcPct val="160000"/>
+                        </a:lnSpc>
+                        <a:spcBef>
+                          <a:spcPts val="0"/>
+                        </a:spcBef>
+                        <a:spcAft>
+                          <a:spcPts val="0"/>
+                        </a:spcAft>
+                      </a:pPr>
+                      <a:r>
+                        <a:rPr lang="ko-KR" altLang="en-US" sz="1400" dirty="0">
+                          <a:solidFill>
+                            <a:schemeClr val="tx1"/>
+                          </a:solidFill>
+                          <a:effectLst/>
+                          <a:latin typeface="Consolas" panose="020B0609020204030204" pitchFamily="49" charset="0"/>
+                        </a:rPr>
+                        <a:t>어떻게 됐건 민주당이 </a:t>
+                      </a:r>
+                      <a:r>
+                        <a:rPr lang="en-US" altLang="ko-KR" sz="1400" dirty="0">
+                          <a:solidFill>
+                            <a:schemeClr val="tx1"/>
+                          </a:solidFill>
+                          <a:effectLst/>
+                          <a:latin typeface="Courier New" panose="02070309020205020404" pitchFamily="49" charset="0"/>
+                        </a:rPr>
+                        <a:t>180</a:t>
+                      </a:r>
+                      <a:r>
+                        <a:rPr lang="ko-KR" altLang="en-US" sz="1400" dirty="0">
+                          <a:solidFill>
+                            <a:schemeClr val="tx1"/>
+                          </a:solidFill>
+                          <a:effectLst/>
+                          <a:latin typeface="Consolas" panose="020B0609020204030204" pitchFamily="49" charset="0"/>
+                        </a:rPr>
+                        <a:t>석인데 건드리기 힘들지 </a:t>
+                      </a:r>
+                      <a:r>
+                        <a:rPr lang="ko-KR" altLang="en-US" sz="1400" dirty="0" err="1">
+                          <a:solidFill>
+                            <a:schemeClr val="tx1"/>
+                          </a:solidFill>
+                          <a:effectLst/>
+                          <a:latin typeface="Consolas" panose="020B0609020204030204" pitchFamily="49" charset="0"/>
+                        </a:rPr>
+                        <a:t>븅신련아</a:t>
+                      </a:r>
+                      <a:r>
+                        <a:rPr lang="ko-KR" altLang="en-US" sz="1400" dirty="0">
+                          <a:solidFill>
+                            <a:schemeClr val="tx1"/>
+                          </a:solidFill>
+                          <a:effectLst/>
+                          <a:latin typeface="Consolas" panose="020B0609020204030204" pitchFamily="49" charset="0"/>
+                        </a:rPr>
+                        <a:t> </a:t>
+                      </a:r>
+                      <a:r>
+                        <a:rPr lang="ko-KR" altLang="en-US" sz="1400" dirty="0" err="1">
+                          <a:solidFill>
+                            <a:schemeClr val="tx1"/>
+                          </a:solidFill>
+                          <a:effectLst/>
+                          <a:latin typeface="Consolas" panose="020B0609020204030204" pitchFamily="49" charset="0"/>
+                        </a:rPr>
+                        <a:t>ㅋㅋㅋㅋㅋㅋㅋㅋ</a:t>
+                      </a:r>
+                      <a:endParaRPr lang="ko-KR" altLang="en-US" sz="1400" dirty="0">
+                        <a:solidFill>
+                          <a:schemeClr val="tx1"/>
+                        </a:solidFill>
+                        <a:effectLst/>
+                      </a:endParaRPr>
+                    </a:p>
+                  </a:txBody>
+                  <a:tcPr marL="57599" marR="57599" marT="57599" marB="57599" anchor="ctr">
+                    <a:lnL w="12700" cap="flat" cmpd="sng" algn="ctr">
+                      <a:solidFill>
+                        <a:schemeClr val="tx1"/>
+                      </a:solidFill>
+                      <a:prstDash val="solid"/>
+                      <a:round/>
+                      <a:headEnd type="none" w="med" len="med"/>
+                      <a:tailEnd type="none" w="med" len="med"/>
+                    </a:lnL>
+                    <a:lnR w="12700" cap="flat" cmpd="sng" algn="ctr">
+                      <a:solidFill>
+                        <a:schemeClr val="tx1"/>
+                      </a:solidFill>
+                      <a:prstDash val="solid"/>
+                      <a:round/>
+                      <a:headEnd type="none" w="med" len="med"/>
+                      <a:tailEnd type="none" w="med" len="med"/>
+                    </a:lnR>
+                    <a:lnT w="12700" cap="flat" cmpd="sng" algn="ctr">
+                      <a:solidFill>
+                        <a:schemeClr val="tx1"/>
+                      </a:solidFill>
+                      <a:prstDash val="solid"/>
+                      <a:round/>
+                      <a:headEnd type="none" w="med" len="med"/>
+                      <a:tailEnd type="none" w="med" len="med"/>
+                    </a:lnT>
+                    <a:lnB w="12700" cap="flat" cmpd="sng" algn="ctr">
+                      <a:solidFill>
+                        <a:schemeClr val="tx1"/>
+                      </a:solidFill>
+                      <a:prstDash val="solid"/>
+                      <a:round/>
+                      <a:headEnd type="none" w="med" len="med"/>
+                      <a:tailEnd type="none" w="med" len="med"/>
+                    </a:lnB>
+                    <a:solidFill>
+                      <a:schemeClr val="accent2">
+                        <a:lumMod val="40000"/>
+                        <a:lumOff val="60000"/>
+                      </a:schemeClr>
+                    </a:solidFill>
+                  </a:tcPr>
+                </a:tc>
+                <a:tc>
+                  <a:txBody>
+                    <a:bodyPr/>
+                    <a:lstStyle/>
+                    <a:p>
+                      <a:pPr algn="ctr">
+                        <a:lnSpc>
+                          <a:spcPct val="160000"/>
+                        </a:lnSpc>
+                        <a:spcBef>
+                          <a:spcPts val="0"/>
+                        </a:spcBef>
+                        <a:spcAft>
+                          <a:spcPts val="0"/>
+                        </a:spcAft>
+                      </a:pPr>
+                      <a:r>
+                        <a:rPr lang="en-US" altLang="ko-KR" sz="1400" dirty="0">
+                          <a:solidFill>
+                            <a:srgbClr val="000000"/>
+                          </a:solidFill>
+                          <a:effectLst/>
+                          <a:latin typeface="맑은 고딕" panose="020B0503020000020004" pitchFamily="50" charset="-127"/>
+                          <a:ea typeface="맑은 고딕" panose="020B0503020000020004" pitchFamily="50" charset="-127"/>
+                        </a:rPr>
+                        <a:t>96.91</a:t>
+                      </a:r>
+                      <a:endParaRPr lang="ko-KR" altLang="en-US" sz="1400" dirty="0">
+                        <a:effectLst/>
+                      </a:endParaRPr>
+                    </a:p>
+                  </a:txBody>
+                  <a:tcPr marL="57599" marR="57599" marT="57599" marB="57599" anchor="ctr">
+                    <a:lnL w="12700" cap="flat" cmpd="sng" algn="ctr">
+                      <a:solidFill>
+                        <a:schemeClr val="tx1"/>
+                      </a:solidFill>
+                      <a:prstDash val="solid"/>
+                      <a:round/>
+                      <a:headEnd type="none" w="med" len="med"/>
+                      <a:tailEnd type="none" w="med" len="med"/>
+                    </a:lnL>
+                    <a:lnR w="12700" cap="flat" cmpd="sng" algn="ctr">
+                      <a:solidFill>
+                        <a:schemeClr val="tx1"/>
+                      </a:solidFill>
+                      <a:prstDash val="solid"/>
+                      <a:round/>
+                      <a:headEnd type="none" w="med" len="med"/>
+                      <a:tailEnd type="none" w="med" len="med"/>
+                    </a:lnR>
+                    <a:lnT w="12700" cap="flat" cmpd="sng" algn="ctr">
+                      <a:solidFill>
+                        <a:schemeClr val="tx1"/>
+                      </a:solidFill>
+                      <a:prstDash val="solid"/>
+                      <a:round/>
+                      <a:headEnd type="none" w="med" len="med"/>
+                      <a:tailEnd type="none" w="med" len="med"/>
+                    </a:lnT>
+                    <a:lnB w="12700" cap="flat" cmpd="sng" algn="ctr">
+                      <a:solidFill>
+                        <a:schemeClr val="tx1"/>
+                      </a:solidFill>
+                      <a:prstDash val="solid"/>
+                      <a:round/>
+                      <a:headEnd type="none" w="med" len="med"/>
+                      <a:tailEnd type="none" w="med" len="med"/>
+                    </a:lnB>
+                    <a:solidFill>
+                      <a:schemeClr val="accent2">
+                        <a:lumMod val="40000"/>
+                        <a:lumOff val="60000"/>
+                      </a:schemeClr>
+                    </a:solidFill>
+                  </a:tcPr>
+                </a:tc>
+                <a:tc>
+                  <a:txBody>
+                    <a:bodyPr/>
+                    <a:lstStyle/>
+                    <a:p>
+                      <a:pPr algn="ctr">
+                        <a:lnSpc>
+                          <a:spcPct val="160000"/>
+                        </a:lnSpc>
+                        <a:spcBef>
+                          <a:spcPts val="0"/>
+                        </a:spcBef>
+                        <a:spcAft>
+                          <a:spcPts val="0"/>
+                        </a:spcAft>
+                      </a:pPr>
+                      <a:r>
+                        <a:rPr lang="ko-KR" altLang="en-US" sz="1400" dirty="0">
+                          <a:effectLst/>
+                        </a:rPr>
+                        <a:t>정상</a:t>
+                      </a:r>
+                    </a:p>
+                  </a:txBody>
+                  <a:tcPr marL="57599" marR="57599" marT="57599" marB="57599" anchor="ctr">
+                    <a:lnL w="12700" cap="flat" cmpd="sng" algn="ctr">
+                      <a:solidFill>
+                        <a:schemeClr val="tx1"/>
+                      </a:solidFill>
+                      <a:prstDash val="solid"/>
+                      <a:round/>
+                      <a:headEnd type="none" w="med" len="med"/>
+                      <a:tailEnd type="none" w="med" len="med"/>
+                    </a:lnL>
+                    <a:lnR w="12700" cap="flat" cmpd="sng" algn="ctr">
+                      <a:solidFill>
+                        <a:schemeClr val="tx1"/>
+                      </a:solidFill>
+                      <a:prstDash val="solid"/>
+                      <a:round/>
+                      <a:headEnd type="none" w="med" len="med"/>
+                      <a:tailEnd type="none" w="med" len="med"/>
+                    </a:lnR>
+                    <a:lnT w="12700" cap="flat" cmpd="sng" algn="ctr">
+                      <a:solidFill>
+                        <a:schemeClr val="tx1"/>
+                      </a:solidFill>
+                      <a:prstDash val="solid"/>
+                      <a:round/>
+                      <a:headEnd type="none" w="med" len="med"/>
+                      <a:tailEnd type="none" w="med" len="med"/>
+                    </a:lnT>
+                    <a:lnB w="12700" cap="flat" cmpd="sng" algn="ctr">
+                      <a:solidFill>
+                        <a:schemeClr val="tx1"/>
+                      </a:solidFill>
+                      <a:prstDash val="solid"/>
+                      <a:round/>
+                      <a:headEnd type="none" w="med" len="med"/>
+                      <a:tailEnd type="none" w="med" len="med"/>
+                    </a:lnB>
+                    <a:solidFill>
+                      <a:schemeClr val="accent2">
+                        <a:lumMod val="40000"/>
+                        <a:lumOff val="60000"/>
+                      </a:schemeClr>
+                    </a:solidFill>
                   </a:tcPr>
                 </a:tc>
                 <a:extLst>
@@ -20617,7 +20747,7 @@
           <p:nvPr>
             <p:extLst>
               <p:ext uri="{D42A27DB-BD31-4B8C-83A1-F6EECF244321}">
-                <p14:modId xmlns:p14="http://schemas.microsoft.com/office/powerpoint/2010/main" val="1261440349"/>
+                <p14:modId xmlns:p14="http://schemas.microsoft.com/office/powerpoint/2010/main" val="3835125675"/>
               </p:ext>
             </p:extLst>
           </p:nvPr>
@@ -20671,7 +20801,7 @@
                         </a:spcAft>
                       </a:pPr>
                       <a:r>
-                        <a:rPr lang="en-US" sz="1400">
+                        <a:rPr lang="en-US" sz="1400" dirty="0">
                           <a:solidFill>
                             <a:schemeClr val="tx1"/>
                           </a:solidFill>
@@ -20681,7 +20811,7 @@
                         </a:rPr>
                         <a:t>sentence</a:t>
                       </a:r>
-                      <a:endParaRPr lang="en-US" sz="1400">
+                      <a:endParaRPr lang="en-US" sz="1400" dirty="0">
                         <a:solidFill>
                           <a:schemeClr val="tx1"/>
                         </a:solidFill>
@@ -21155,7 +21285,7 @@
                         </a:spcAft>
                       </a:pPr>
                       <a:r>
-                        <a:rPr lang="ko-KR" altLang="en-US" sz="1400">
+                        <a:rPr lang="ko-KR" altLang="en-US" sz="1400" dirty="0">
                           <a:solidFill>
                             <a:schemeClr val="tx1"/>
                           </a:solidFill>
@@ -21165,7 +21295,7 @@
                         <a:t>조금 어렵지만 </a:t>
                       </a:r>
                       <a:r>
-                        <a:rPr lang="ko-KR" altLang="en-US" sz="1400" err="1">
+                        <a:rPr lang="ko-KR" altLang="en-US" sz="1400" dirty="0" err="1">
                           <a:solidFill>
                             <a:schemeClr val="tx1"/>
                           </a:solidFill>
@@ -21174,7 +21304,7 @@
                         </a:rPr>
                         <a:t>재밌음ㅋㅋ</a:t>
                       </a:r>
-                      <a:endParaRPr lang="ko-KR" altLang="en-US" sz="1400">
+                      <a:endParaRPr lang="ko-KR" altLang="en-US" sz="1400" dirty="0">
                         <a:solidFill>
                           <a:schemeClr val="tx1"/>
                         </a:solidFill>
@@ -22102,7 +22232,7 @@
                         </a:spcAft>
                       </a:pPr>
                       <a:r>
-                        <a:rPr lang="ko-KR" altLang="en-US" sz="1400">
+                        <a:rPr lang="ko-KR" altLang="en-US" sz="1400" dirty="0">
                           <a:solidFill>
                             <a:schemeClr val="tx1"/>
                           </a:solidFill>
@@ -22112,7 +22242,7 @@
                         <a:t>안녕하세요 오랜만에 뵈요</a:t>
                       </a:r>
                       <a:r>
-                        <a:rPr lang="en-US" altLang="ko-KR" sz="1400">
+                        <a:rPr lang="en-US" altLang="ko-KR" sz="1400" dirty="0">
                           <a:solidFill>
                             <a:schemeClr val="tx1"/>
                           </a:solidFill>
@@ -22122,7 +22252,7 @@
                         <a:t>. </a:t>
                       </a:r>
                       <a:r>
-                        <a:rPr lang="ko-KR" altLang="en-US" sz="1400" err="1">
+                        <a:rPr lang="ko-KR" altLang="en-US" sz="1400" dirty="0" err="1">
                           <a:solidFill>
                             <a:schemeClr val="tx1"/>
                           </a:solidFill>
@@ -22132,7 +22262,7 @@
                         <a:t>어떤일</a:t>
                       </a:r>
                       <a:r>
-                        <a:rPr lang="ko-KR" altLang="en-US" sz="1400">
+                        <a:rPr lang="ko-KR" altLang="en-US" sz="1400" dirty="0">
                           <a:solidFill>
                             <a:schemeClr val="tx1"/>
                           </a:solidFill>
@@ -22142,7 +22272,7 @@
                         <a:t> 하고 있나요</a:t>
                       </a:r>
                       <a:r>
-                        <a:rPr lang="en-US" altLang="ko-KR" sz="1400">
+                        <a:rPr lang="en-US" altLang="ko-KR" sz="1400" dirty="0">
                           <a:solidFill>
                             <a:schemeClr val="tx1"/>
                           </a:solidFill>
@@ -22151,7 +22281,7 @@
                         </a:rPr>
                         <a:t>?</a:t>
                       </a:r>
-                      <a:endParaRPr lang="ko-KR" altLang="en-US" sz="1400">
+                      <a:endParaRPr lang="ko-KR" altLang="en-US" sz="1400" dirty="0">
                         <a:solidFill>
                           <a:schemeClr val="tx1"/>
                         </a:solidFill>
@@ -22352,6 +22482,92 @@
                     <a:bodyPr/>
                     <a:lstStyle/>
                     <a:p>
+                      <a:pPr algn="ctr"/>
+                      <a:r>
+                        <a:rPr lang="ko-KR" altLang="en-US" sz="1400" b="0" kern="1200" dirty="0">
+                          <a:solidFill>
+                            <a:schemeClr val="tx1"/>
+                          </a:solidFill>
+                          <a:effectLst/>
+                          <a:latin typeface="+mn-lt"/>
+                          <a:ea typeface="+mn-ea"/>
+                          <a:cs typeface="+mn-cs"/>
+                        </a:rPr>
+                        <a:t>역시 홍어는 </a:t>
+                      </a:r>
+                      <a:r>
+                        <a:rPr lang="ko-KR" altLang="en-US" sz="1400" b="0" kern="1200" dirty="0" err="1">
+                          <a:solidFill>
+                            <a:schemeClr val="tx1"/>
+                          </a:solidFill>
+                          <a:effectLst/>
+                          <a:latin typeface="+mn-lt"/>
+                          <a:ea typeface="+mn-ea"/>
+                          <a:cs typeface="+mn-cs"/>
+                        </a:rPr>
+                        <a:t>별로야</a:t>
+                      </a:r>
+                      <a:endParaRPr lang="ko-KR" altLang="en-US" sz="1400" b="0" kern="1200" dirty="0">
+                        <a:solidFill>
+                          <a:schemeClr val="tx1"/>
+                        </a:solidFill>
+                        <a:effectLst/>
+                        <a:latin typeface="+mn-lt"/>
+                        <a:ea typeface="+mn-ea"/>
+                        <a:cs typeface="+mn-cs"/>
+                      </a:endParaRPr>
+                    </a:p>
+                  </a:txBody>
+                  <a:tcPr marL="57599" marR="57599" marT="57599" marB="57599" anchor="ctr">
+                    <a:lnL w="12700" cap="flat" cmpd="sng" algn="ctr">
+                      <a:solidFill>
+                        <a:schemeClr val="tx1"/>
+                      </a:solidFill>
+                      <a:prstDash val="solid"/>
+                      <a:round/>
+                      <a:headEnd type="none" w="med" len="med"/>
+                      <a:tailEnd type="none" w="med" len="med"/>
+                    </a:lnL>
+                    <a:lnR w="12700" cap="flat" cmpd="sng" algn="ctr">
+                      <a:solidFill>
+                        <a:schemeClr val="tx1"/>
+                      </a:solidFill>
+                      <a:prstDash val="solid"/>
+                      <a:round/>
+                      <a:headEnd type="none" w="med" len="med"/>
+                      <a:tailEnd type="none" w="med" len="med"/>
+                    </a:lnR>
+                    <a:lnT w="12700" cap="flat" cmpd="sng" algn="ctr">
+                      <a:solidFill>
+                        <a:schemeClr val="tx1"/>
+                      </a:solidFill>
+                      <a:prstDash val="solid"/>
+                      <a:round/>
+                      <a:headEnd type="none" w="med" len="med"/>
+                      <a:tailEnd type="none" w="med" len="med"/>
+                    </a:lnT>
+                    <a:lnB w="12700" cap="flat" cmpd="sng" algn="ctr">
+                      <a:solidFill>
+                        <a:schemeClr val="tx1"/>
+                      </a:solidFill>
+                      <a:prstDash val="solid"/>
+                      <a:round/>
+                      <a:headEnd type="none" w="med" len="med"/>
+                      <a:tailEnd type="none" w="med" len="med"/>
+                    </a:lnB>
+                    <a:solidFill>
+                      <a:schemeClr val="accent2">
+                        <a:lumMod val="40000"/>
+                        <a:lumOff val="60000"/>
+                      </a:schemeClr>
+                    </a:solidFill>
+                  </a:tcPr>
+                </a:tc>
+                <a:tc>
+                  <a:txBody>
+                    <a:bodyPr/>
+                    <a:lstStyle/>
+                    <a:p>
                       <a:pPr algn="ctr">
                         <a:lnSpc>
                           <a:spcPct val="160000"/>
@@ -22364,26 +22580,430 @@
                         </a:spcAft>
                       </a:pPr>
                       <a:r>
-                        <a:rPr lang="ko-KR" altLang="en-US" sz="1400" err="1">
+                        <a:rPr lang="en-US" altLang="ko-KR" sz="1400" dirty="0">
+                          <a:effectLst/>
+                        </a:rPr>
+                        <a:t>58.51</a:t>
+                      </a:r>
+                      <a:endParaRPr lang="ko-KR" altLang="en-US" sz="1400" dirty="0">
+                        <a:effectLst/>
+                      </a:endParaRPr>
+                    </a:p>
+                  </a:txBody>
+                  <a:tcPr marL="57599" marR="57599" marT="57599" marB="57599" anchor="ctr">
+                    <a:lnL w="12700" cap="flat" cmpd="sng" algn="ctr">
+                      <a:solidFill>
+                        <a:schemeClr val="tx1"/>
+                      </a:solidFill>
+                      <a:prstDash val="solid"/>
+                      <a:round/>
+                      <a:headEnd type="none" w="med" len="med"/>
+                      <a:tailEnd type="none" w="med" len="med"/>
+                    </a:lnL>
+                    <a:lnR w="12700" cap="flat" cmpd="sng" algn="ctr">
+                      <a:solidFill>
+                        <a:schemeClr val="tx1"/>
+                      </a:solidFill>
+                      <a:prstDash val="solid"/>
+                      <a:round/>
+                      <a:headEnd type="none" w="med" len="med"/>
+                      <a:tailEnd type="none" w="med" len="med"/>
+                    </a:lnR>
+                    <a:lnT w="12700" cap="flat" cmpd="sng" algn="ctr">
+                      <a:solidFill>
+                        <a:schemeClr val="tx1"/>
+                      </a:solidFill>
+                      <a:prstDash val="solid"/>
+                      <a:round/>
+                      <a:headEnd type="none" w="med" len="med"/>
+                      <a:tailEnd type="none" w="med" len="med"/>
+                    </a:lnT>
+                    <a:lnB w="12700" cap="flat" cmpd="sng" algn="ctr">
+                      <a:solidFill>
+                        <a:schemeClr val="tx1"/>
+                      </a:solidFill>
+                      <a:prstDash val="solid"/>
+                      <a:round/>
+                      <a:headEnd type="none" w="med" len="med"/>
+                      <a:tailEnd type="none" w="med" len="med"/>
+                    </a:lnB>
+                    <a:solidFill>
+                      <a:schemeClr val="accent2">
+                        <a:lumMod val="40000"/>
+                        <a:lumOff val="60000"/>
+                      </a:schemeClr>
+                    </a:solidFill>
+                  </a:tcPr>
+                </a:tc>
+                <a:tc>
+                  <a:txBody>
+                    <a:bodyPr/>
+                    <a:lstStyle/>
+                    <a:p>
+                      <a:pPr algn="ctr">
+                        <a:lnSpc>
+                          <a:spcPct val="160000"/>
+                        </a:lnSpc>
+                        <a:spcBef>
+                          <a:spcPts val="0"/>
+                        </a:spcBef>
+                        <a:spcAft>
+                          <a:spcPts val="0"/>
+                        </a:spcAft>
+                      </a:pPr>
+                      <a:r>
+                        <a:rPr lang="ko-KR" altLang="en-US" sz="1400" dirty="0">
+                          <a:effectLst/>
+                        </a:rPr>
+                        <a:t>부정</a:t>
+                      </a:r>
+                    </a:p>
+                  </a:txBody>
+                  <a:tcPr marL="57599" marR="57599" marT="57599" marB="57599" anchor="ctr">
+                    <a:lnL w="12700" cap="flat" cmpd="sng" algn="ctr">
+                      <a:solidFill>
+                        <a:schemeClr val="tx1"/>
+                      </a:solidFill>
+                      <a:prstDash val="solid"/>
+                      <a:round/>
+                      <a:headEnd type="none" w="med" len="med"/>
+                      <a:tailEnd type="none" w="med" len="med"/>
+                    </a:lnL>
+                    <a:lnR w="12700" cap="flat" cmpd="sng" algn="ctr">
+                      <a:solidFill>
+                        <a:schemeClr val="tx1"/>
+                      </a:solidFill>
+                      <a:prstDash val="solid"/>
+                      <a:round/>
+                      <a:headEnd type="none" w="med" len="med"/>
+                      <a:tailEnd type="none" w="med" len="med"/>
+                    </a:lnR>
+                    <a:lnT w="12700" cap="flat" cmpd="sng" algn="ctr">
+                      <a:solidFill>
+                        <a:schemeClr val="tx1"/>
+                      </a:solidFill>
+                      <a:prstDash val="solid"/>
+                      <a:round/>
+                      <a:headEnd type="none" w="med" len="med"/>
+                      <a:tailEnd type="none" w="med" len="med"/>
+                    </a:lnT>
+                    <a:lnB w="12700" cap="flat" cmpd="sng" algn="ctr">
+                      <a:solidFill>
+                        <a:schemeClr val="tx1"/>
+                      </a:solidFill>
+                      <a:prstDash val="solid"/>
+                      <a:round/>
+                      <a:headEnd type="none" w="med" len="med"/>
+                      <a:tailEnd type="none" w="med" len="med"/>
+                    </a:lnB>
+                    <a:solidFill>
+                      <a:schemeClr val="accent2">
+                        <a:lumMod val="40000"/>
+                        <a:lumOff val="60000"/>
+                      </a:schemeClr>
+                    </a:solidFill>
+                  </a:tcPr>
+                </a:tc>
+                <a:extLst>
+                  <a:ext uri="{0D108BD9-81ED-4DB2-BD59-A6C34878D82A}">
+                    <a16:rowId xmlns:a16="http://schemas.microsoft.com/office/drawing/2014/main" val="582051247"/>
+                  </a:ext>
+                </a:extLst>
+              </a:tr>
+              <a:tr h="443291">
+                <a:tc>
+                  <a:txBody>
+                    <a:bodyPr/>
+                    <a:lstStyle/>
+                    <a:p>
+                      <a:pPr algn="ctr"/>
+                      <a:r>
+                        <a:rPr lang="ko-KR" altLang="en-US" sz="1400" b="0" kern="1200" dirty="0">
+                          <a:solidFill>
+                            <a:schemeClr val="tx1"/>
+                          </a:solidFill>
+                          <a:effectLst/>
+                          <a:latin typeface="+mn-lt"/>
+                          <a:ea typeface="+mn-ea"/>
+                          <a:cs typeface="+mn-cs"/>
+                        </a:rPr>
+                        <a:t>역시 전라도 홍어는 </a:t>
+                      </a:r>
+                      <a:r>
+                        <a:rPr lang="ko-KR" altLang="en-US" sz="1400" b="0" kern="1200" dirty="0" err="1">
+                          <a:solidFill>
+                            <a:schemeClr val="tx1"/>
+                          </a:solidFill>
+                          <a:effectLst/>
+                          <a:latin typeface="+mn-lt"/>
+                          <a:ea typeface="+mn-ea"/>
+                          <a:cs typeface="+mn-cs"/>
+                        </a:rPr>
+                        <a:t>별로야</a:t>
+                      </a:r>
+                      <a:endParaRPr lang="ko-KR" altLang="en-US" sz="1400" b="0" kern="1200" dirty="0">
+                        <a:solidFill>
+                          <a:schemeClr val="tx1"/>
+                        </a:solidFill>
+                        <a:effectLst/>
+                        <a:latin typeface="+mn-lt"/>
+                        <a:ea typeface="+mn-ea"/>
+                        <a:cs typeface="+mn-cs"/>
+                      </a:endParaRPr>
+                    </a:p>
+                  </a:txBody>
+                  <a:tcPr marL="57599" marR="57599" marT="57599" marB="57599" anchor="ctr">
+                    <a:lnL w="12700" cap="flat" cmpd="sng" algn="ctr">
+                      <a:solidFill>
+                        <a:schemeClr val="tx1"/>
+                      </a:solidFill>
+                      <a:prstDash val="solid"/>
+                      <a:round/>
+                      <a:headEnd type="none" w="med" len="med"/>
+                      <a:tailEnd type="none" w="med" len="med"/>
+                    </a:lnL>
+                    <a:lnR w="12700" cap="flat" cmpd="sng" algn="ctr">
+                      <a:solidFill>
+                        <a:schemeClr val="tx1"/>
+                      </a:solidFill>
+                      <a:prstDash val="solid"/>
+                      <a:round/>
+                      <a:headEnd type="none" w="med" len="med"/>
+                      <a:tailEnd type="none" w="med" len="med"/>
+                    </a:lnR>
+                    <a:lnT w="12700" cap="flat" cmpd="sng" algn="ctr">
+                      <a:solidFill>
+                        <a:schemeClr val="tx1"/>
+                      </a:solidFill>
+                      <a:prstDash val="solid"/>
+                      <a:round/>
+                      <a:headEnd type="none" w="med" len="med"/>
+                      <a:tailEnd type="none" w="med" len="med"/>
+                    </a:lnT>
+                    <a:lnB w="12700" cap="flat" cmpd="sng" algn="ctr">
+                      <a:solidFill>
+                        <a:schemeClr val="tx1"/>
+                      </a:solidFill>
+                      <a:prstDash val="solid"/>
+                      <a:round/>
+                      <a:headEnd type="none" w="med" len="med"/>
+                      <a:tailEnd type="none" w="med" len="med"/>
+                    </a:lnB>
+                  </a:tcPr>
+                </a:tc>
+                <a:tc>
+                  <a:txBody>
+                    <a:bodyPr/>
+                    <a:lstStyle/>
+                    <a:p>
+                      <a:pPr algn="ctr">
+                        <a:lnSpc>
+                          <a:spcPct val="160000"/>
+                        </a:lnSpc>
+                        <a:spcBef>
+                          <a:spcPts val="0"/>
+                        </a:spcBef>
+                        <a:spcAft>
+                          <a:spcPts val="0"/>
+                        </a:spcAft>
+                      </a:pPr>
+                      <a:r>
+                        <a:rPr lang="en-US" altLang="ko-KR" sz="1400" dirty="0">
+                          <a:effectLst/>
+                        </a:rPr>
+                        <a:t>76.05</a:t>
+                      </a:r>
+                      <a:endParaRPr lang="ko-KR" altLang="en-US" sz="1400" dirty="0">
+                        <a:effectLst/>
+                      </a:endParaRPr>
+                    </a:p>
+                  </a:txBody>
+                  <a:tcPr marL="57599" marR="57599" marT="57599" marB="57599" anchor="ctr">
+                    <a:lnL w="12700" cap="flat" cmpd="sng" algn="ctr">
+                      <a:solidFill>
+                        <a:schemeClr val="tx1"/>
+                      </a:solidFill>
+                      <a:prstDash val="solid"/>
+                      <a:round/>
+                      <a:headEnd type="none" w="med" len="med"/>
+                      <a:tailEnd type="none" w="med" len="med"/>
+                    </a:lnL>
+                    <a:lnR w="12700" cap="flat" cmpd="sng" algn="ctr">
+                      <a:solidFill>
+                        <a:schemeClr val="tx1"/>
+                      </a:solidFill>
+                      <a:prstDash val="solid"/>
+                      <a:round/>
+                      <a:headEnd type="none" w="med" len="med"/>
+                      <a:tailEnd type="none" w="med" len="med"/>
+                    </a:lnR>
+                    <a:lnT w="12700" cap="flat" cmpd="sng" algn="ctr">
+                      <a:solidFill>
+                        <a:schemeClr val="tx1"/>
+                      </a:solidFill>
+                      <a:prstDash val="solid"/>
+                      <a:round/>
+                      <a:headEnd type="none" w="med" len="med"/>
+                      <a:tailEnd type="none" w="med" len="med"/>
+                    </a:lnT>
+                    <a:lnB w="12700" cap="flat" cmpd="sng" algn="ctr">
+                      <a:solidFill>
+                        <a:schemeClr val="tx1"/>
+                      </a:solidFill>
+                      <a:prstDash val="solid"/>
+                      <a:round/>
+                      <a:headEnd type="none" w="med" len="med"/>
+                      <a:tailEnd type="none" w="med" len="med"/>
+                    </a:lnB>
+                  </a:tcPr>
+                </a:tc>
+                <a:tc>
+                  <a:txBody>
+                    <a:bodyPr/>
+                    <a:lstStyle/>
+                    <a:p>
+                      <a:pPr algn="ctr">
+                        <a:lnSpc>
+                          <a:spcPct val="160000"/>
+                        </a:lnSpc>
+                        <a:spcBef>
+                          <a:spcPts val="0"/>
+                        </a:spcBef>
+                        <a:spcAft>
+                          <a:spcPts val="0"/>
+                        </a:spcAft>
+                      </a:pPr>
+                      <a:r>
+                        <a:rPr lang="ko-KR" altLang="en-US" sz="1400" dirty="0">
+                          <a:effectLst/>
+                        </a:rPr>
+                        <a:t>부정</a:t>
+                      </a:r>
+                    </a:p>
+                  </a:txBody>
+                  <a:tcPr marL="57599" marR="57599" marT="57599" marB="57599" anchor="ctr">
+                    <a:lnL w="12700" cap="flat" cmpd="sng" algn="ctr">
+                      <a:solidFill>
+                        <a:schemeClr val="tx1"/>
+                      </a:solidFill>
+                      <a:prstDash val="solid"/>
+                      <a:round/>
+                      <a:headEnd type="none" w="med" len="med"/>
+                      <a:tailEnd type="none" w="med" len="med"/>
+                    </a:lnL>
+                    <a:lnR w="12700" cap="flat" cmpd="sng" algn="ctr">
+                      <a:solidFill>
+                        <a:schemeClr val="tx1"/>
+                      </a:solidFill>
+                      <a:prstDash val="solid"/>
+                      <a:round/>
+                      <a:headEnd type="none" w="med" len="med"/>
+                      <a:tailEnd type="none" w="med" len="med"/>
+                    </a:lnR>
+                    <a:lnT w="12700" cap="flat" cmpd="sng" algn="ctr">
+                      <a:solidFill>
+                        <a:schemeClr val="tx1"/>
+                      </a:solidFill>
+                      <a:prstDash val="solid"/>
+                      <a:round/>
+                      <a:headEnd type="none" w="med" len="med"/>
+                      <a:tailEnd type="none" w="med" len="med"/>
+                    </a:lnT>
+                    <a:lnB w="12700" cap="flat" cmpd="sng" algn="ctr">
+                      <a:solidFill>
+                        <a:schemeClr val="tx1"/>
+                      </a:solidFill>
+                      <a:prstDash val="solid"/>
+                      <a:round/>
+                      <a:headEnd type="none" w="med" len="med"/>
+                      <a:tailEnd type="none" w="med" len="med"/>
+                    </a:lnB>
+                  </a:tcPr>
+                </a:tc>
+                <a:extLst>
+                  <a:ext uri="{0D108BD9-81ED-4DB2-BD59-A6C34878D82A}">
+                    <a16:rowId xmlns:a16="http://schemas.microsoft.com/office/drawing/2014/main" val="2773633358"/>
+                  </a:ext>
+                </a:extLst>
+              </a:tr>
+              <a:tr h="451081">
+                <a:tc>
+                  <a:txBody>
+                    <a:bodyPr/>
+                    <a:lstStyle/>
+                    <a:p>
+                      <a:pPr algn="ctr">
+                        <a:lnSpc>
+                          <a:spcPct val="160000"/>
+                        </a:lnSpc>
+                        <a:spcBef>
+                          <a:spcPts val="0"/>
+                        </a:spcBef>
+                        <a:spcAft>
+                          <a:spcPts val="0"/>
+                        </a:spcAft>
+                      </a:pPr>
+                      <a:r>
+                        <a:rPr lang="ko-KR" altLang="en-US" sz="1400" dirty="0">
                           <a:solidFill>
                             <a:schemeClr val="tx1"/>
                           </a:solidFill>
                           <a:effectLst/>
                           <a:latin typeface="Consolas" panose="020B0609020204030204" pitchFamily="49" charset="0"/>
                         </a:rPr>
-                        <a:t>정게로</a:t>
+                        <a:t>어떻게 됐건 민주당이 </a:t>
                       </a:r>
                       <a:r>
-                        <a:rPr lang="ko-KR" altLang="en-US" sz="1400">
+                        <a:rPr lang="en-US" altLang="ko-KR" sz="1400" dirty="0">
+                          <a:solidFill>
+                            <a:schemeClr val="tx1"/>
+                          </a:solidFill>
+                          <a:effectLst/>
+                          <a:latin typeface="Courier New" panose="02070309020205020404" pitchFamily="49" charset="0"/>
+                        </a:rPr>
+                        <a:t>180</a:t>
+                      </a:r>
+                      <a:r>
+                        <a:rPr lang="ko-KR" altLang="en-US" sz="1400" dirty="0">
                           <a:solidFill>
                             <a:schemeClr val="tx1"/>
                           </a:solidFill>
                           <a:effectLst/>
                           <a:latin typeface="Consolas" panose="020B0609020204030204" pitchFamily="49" charset="0"/>
                         </a:rPr>
-                        <a:t> 꺼져라</a:t>
+                        <a:t>석인데 건드리기 힘들지 </a:t>
                       </a:r>
-                      <a:endParaRPr lang="ko-KR" altLang="en-US" sz="1400">
+                      <a:r>
+                        <a:rPr lang="ko-KR" altLang="en-US" sz="1400" dirty="0" err="1">
+                          <a:solidFill>
+                            <a:schemeClr val="tx1"/>
+                          </a:solidFill>
+                          <a:effectLst/>
+                          <a:latin typeface="Consolas" panose="020B0609020204030204" pitchFamily="49" charset="0"/>
+                        </a:rPr>
+                        <a:t>븅신련아</a:t>
+                      </a:r>
+                      <a:r>
+                        <a:rPr lang="ko-KR" altLang="en-US" sz="1400" dirty="0">
+                          <a:solidFill>
+                            <a:schemeClr val="tx1"/>
+                          </a:solidFill>
+                          <a:effectLst/>
+                          <a:latin typeface="Consolas" panose="020B0609020204030204" pitchFamily="49" charset="0"/>
+                        </a:rPr>
+                        <a:t> </a:t>
+                      </a:r>
+                      <a:r>
+                        <a:rPr lang="ko-KR" altLang="en-US" sz="1400" dirty="0" err="1">
+                          <a:solidFill>
+                            <a:schemeClr val="tx1"/>
+                          </a:solidFill>
+                          <a:effectLst/>
+                          <a:latin typeface="Consolas" panose="020B0609020204030204" pitchFamily="49" charset="0"/>
+                        </a:rPr>
+                        <a:t>ㅋㅋㅋㅋㅋㅋㅋㅋ</a:t>
+                      </a:r>
+                      <a:endParaRPr lang="ko-KR" altLang="en-US" sz="1400" dirty="0">
                         <a:solidFill>
                           <a:schemeClr val="tx1"/>
                         </a:solidFill>
@@ -22428,6 +23048,12 @@
                       <a:headEnd type="none" w="med" len="med"/>
                       <a:tailEnd type="none" w="med" len="med"/>
                     </a:lnB>
+                    <a:solidFill>
+                      <a:schemeClr val="accent2">
+                        <a:lumMod val="40000"/>
+                        <a:lumOff val="60000"/>
+                      </a:schemeClr>
+                    </a:solidFill>
                   </a:tcPr>
                 </a:tc>
                 <a:tc>
@@ -22455,7 +23081,7 @@
                           <a:latin typeface="맑은 고딕" panose="020B0503020000020004" pitchFamily="50" charset="-127"/>
                           <a:ea typeface="맑은 고딕" panose="020B0503020000020004" pitchFamily="50" charset="-127"/>
                         </a:rPr>
-                        <a:t>92.02</a:t>
+                        <a:t>85.17</a:t>
                       </a:r>
                       <a:endParaRPr lang="ko-KR" altLang="en-US" sz="1400" dirty="0">
                         <a:effectLst/>
@@ -22499,6 +23125,12 @@
                       <a:headEnd type="none" w="med" len="med"/>
                       <a:tailEnd type="none" w="med" len="med"/>
                     </a:lnB>
+                    <a:solidFill>
+                      <a:schemeClr val="accent2">
+                        <a:lumMod val="40000"/>
+                        <a:lumOff val="60000"/>
+                      </a:schemeClr>
+                    </a:solidFill>
                   </a:tcPr>
                 </a:tc>
                 <a:tc>
@@ -22570,470 +23202,12 @@
                       <a:headEnd type="none" w="med" len="med"/>
                       <a:tailEnd type="none" w="med" len="med"/>
                     </a:lnB>
-                  </a:tcPr>
-                </a:tc>
-                <a:extLst>
-                  <a:ext uri="{0D108BD9-81ED-4DB2-BD59-A6C34878D82A}">
-                    <a16:rowId xmlns:a16="http://schemas.microsoft.com/office/drawing/2014/main" val="582051247"/>
-                  </a:ext>
-                </a:extLst>
-              </a:tr>
-              <a:tr h="443291">
-                <a:tc>
-                  <a:txBody>
-                    <a:bodyPr/>
-                    <a:lstStyle/>
-                    <a:p>
-                      <a:pPr algn="ctr">
-                        <a:lnSpc>
-                          <a:spcPct val="160000"/>
-                        </a:lnSpc>
-                        <a:spcBef>
-                          <a:spcPts val="0"/>
-                        </a:spcBef>
-                        <a:spcAft>
-                          <a:spcPts val="0"/>
-                        </a:spcAft>
-                      </a:pPr>
-                      <a:r>
-                        <a:rPr lang="ko-KR" altLang="en-US" sz="1400">
-                          <a:solidFill>
-                            <a:schemeClr val="tx1"/>
-                          </a:solidFill>
-                          <a:effectLst/>
-                          <a:latin typeface="Consolas" panose="020B0609020204030204" pitchFamily="49" charset="0"/>
-                        </a:rPr>
-                        <a:t>저거 다이소에도 있음</a:t>
-                      </a:r>
-                      <a:endParaRPr lang="ko-KR" altLang="en-US" sz="1400">
-                        <a:solidFill>
-                          <a:schemeClr val="tx1"/>
-                        </a:solidFill>
-                        <a:effectLst/>
-                      </a:endParaRPr>
-                    </a:p>
-                  </a:txBody>
-                  <a:tcPr marL="57599" marR="57599" marT="57599" marB="57599" anchor="ctr">
-                    <a:lnL w="12700" cap="flat" cmpd="sng" algn="ctr">
-                      <a:solidFill>
-                        <a:schemeClr val="tx1"/>
-                      </a:solidFill>
-                      <a:prstDash val="solid"/>
-                      <a:round/>
-                      <a:headEnd type="none" w="med" len="med"/>
-                      <a:tailEnd type="none" w="med" len="med"/>
-                    </a:lnL>
-                    <a:lnR w="12700" cap="flat" cmpd="sng" algn="ctr">
-                      <a:solidFill>
-                        <a:schemeClr val="tx1"/>
-                      </a:solidFill>
-                      <a:prstDash val="solid"/>
-                      <a:round/>
-                      <a:headEnd type="none" w="med" len="med"/>
-                      <a:tailEnd type="none" w="med" len="med"/>
-                    </a:lnR>
-                    <a:lnT w="12700" cap="flat" cmpd="sng" algn="ctr">
-                      <a:solidFill>
-                        <a:schemeClr val="tx1"/>
-                      </a:solidFill>
-                      <a:prstDash val="solid"/>
-                      <a:round/>
-                      <a:headEnd type="none" w="med" len="med"/>
-                      <a:tailEnd type="none" w="med" len="med"/>
-                    </a:lnT>
-                    <a:lnB w="12700" cap="flat" cmpd="sng" algn="ctr">
-                      <a:solidFill>
-                        <a:schemeClr val="tx1"/>
-                      </a:solidFill>
-                      <a:prstDash val="solid"/>
-                      <a:round/>
-                      <a:headEnd type="none" w="med" len="med"/>
-                      <a:tailEnd type="none" w="med" len="med"/>
-                    </a:lnB>
-                  </a:tcPr>
-                </a:tc>
-                <a:tc>
-                  <a:txBody>
-                    <a:bodyPr/>
-                    <a:lstStyle/>
-                    <a:p>
-                      <a:pPr algn="ctr">
-                        <a:lnSpc>
-                          <a:spcPct val="160000"/>
-                        </a:lnSpc>
-                        <a:spcBef>
-                          <a:spcPts val="0"/>
-                        </a:spcBef>
-                        <a:spcAft>
-                          <a:spcPts val="0"/>
-                        </a:spcAft>
-                      </a:pPr>
-                      <a:r>
-                        <a:rPr lang="en-US" altLang="ko-KR" sz="1400" dirty="0">
-                          <a:solidFill>
-                            <a:srgbClr val="000000"/>
-                          </a:solidFill>
-                          <a:effectLst/>
-                          <a:latin typeface="맑은 고딕" panose="020B0503020000020004" pitchFamily="50" charset="-127"/>
-                          <a:ea typeface="맑은 고딕" panose="020B0503020000020004" pitchFamily="50" charset="-127"/>
-                        </a:rPr>
-                        <a:t>95.71</a:t>
-                      </a:r>
-                      <a:endParaRPr lang="ko-KR" altLang="en-US" sz="1400" dirty="0">
-                        <a:effectLst/>
-                      </a:endParaRPr>
-                    </a:p>
-                  </a:txBody>
-                  <a:tcPr marL="57599" marR="57599" marT="57599" marB="57599" anchor="ctr">
-                    <a:lnL w="12700" cap="flat" cmpd="sng" algn="ctr">
-                      <a:solidFill>
-                        <a:schemeClr val="tx1"/>
-                      </a:solidFill>
-                      <a:prstDash val="solid"/>
-                      <a:round/>
-                      <a:headEnd type="none" w="med" len="med"/>
-                      <a:tailEnd type="none" w="med" len="med"/>
-                    </a:lnL>
-                    <a:lnR w="12700" cap="flat" cmpd="sng" algn="ctr">
-                      <a:solidFill>
-                        <a:schemeClr val="tx1"/>
-                      </a:solidFill>
-                      <a:prstDash val="solid"/>
-                      <a:round/>
-                      <a:headEnd type="none" w="med" len="med"/>
-                      <a:tailEnd type="none" w="med" len="med"/>
-                    </a:lnR>
-                    <a:lnT w="12700" cap="flat" cmpd="sng" algn="ctr">
-                      <a:solidFill>
-                        <a:schemeClr val="tx1"/>
-                      </a:solidFill>
-                      <a:prstDash val="solid"/>
-                      <a:round/>
-                      <a:headEnd type="none" w="med" len="med"/>
-                      <a:tailEnd type="none" w="med" len="med"/>
-                    </a:lnT>
-                    <a:lnB w="12700" cap="flat" cmpd="sng" algn="ctr">
-                      <a:solidFill>
-                        <a:schemeClr val="tx1"/>
-                      </a:solidFill>
-                      <a:prstDash val="solid"/>
-                      <a:round/>
-                      <a:headEnd type="none" w="med" len="med"/>
-                      <a:tailEnd type="none" w="med" len="med"/>
-                    </a:lnB>
-                  </a:tcPr>
-                </a:tc>
-                <a:tc>
-                  <a:txBody>
-                    <a:bodyPr/>
-                    <a:lstStyle/>
-                    <a:p>
-                      <a:pPr algn="ctr">
-                        <a:lnSpc>
-                          <a:spcPct val="160000"/>
-                        </a:lnSpc>
-                        <a:spcBef>
-                          <a:spcPts val="0"/>
-                        </a:spcBef>
-                        <a:spcAft>
-                          <a:spcPts val="0"/>
-                        </a:spcAft>
-                      </a:pPr>
-                      <a:r>
-                        <a:rPr lang="ko-KR" altLang="en-US" sz="1400" dirty="0">
-                          <a:solidFill>
-                            <a:srgbClr val="000000"/>
-                          </a:solidFill>
-                          <a:effectLst/>
-                          <a:latin typeface="맑은 고딕" panose="020B0503020000020004" pitchFamily="50" charset="-127"/>
-                          <a:ea typeface="맑은 고딕" panose="020B0503020000020004" pitchFamily="50" charset="-127"/>
-                        </a:rPr>
-                        <a:t>정상</a:t>
-                      </a:r>
-                      <a:endParaRPr lang="ko-KR" altLang="en-US" sz="1400" dirty="0">
-                        <a:effectLst/>
-                      </a:endParaRPr>
-                    </a:p>
-                  </a:txBody>
-                  <a:tcPr marL="57599" marR="57599" marT="57599" marB="57599" anchor="ctr">
-                    <a:lnL w="12700" cap="flat" cmpd="sng" algn="ctr">
-                      <a:solidFill>
-                        <a:schemeClr val="tx1"/>
-                      </a:solidFill>
-                      <a:prstDash val="solid"/>
-                      <a:round/>
-                      <a:headEnd type="none" w="med" len="med"/>
-                      <a:tailEnd type="none" w="med" len="med"/>
-                    </a:lnL>
-                    <a:lnR w="12700" cap="flat" cmpd="sng" algn="ctr">
-                      <a:solidFill>
-                        <a:schemeClr val="tx1"/>
-                      </a:solidFill>
-                      <a:prstDash val="solid"/>
-                      <a:round/>
-                      <a:headEnd type="none" w="med" len="med"/>
-                      <a:tailEnd type="none" w="med" len="med"/>
-                    </a:lnR>
-                    <a:lnT w="12700" cap="flat" cmpd="sng" algn="ctr">
-                      <a:solidFill>
-                        <a:schemeClr val="tx1"/>
-                      </a:solidFill>
-                      <a:prstDash val="solid"/>
-                      <a:round/>
-                      <a:headEnd type="none" w="med" len="med"/>
-                      <a:tailEnd type="none" w="med" len="med"/>
-                    </a:lnT>
-                    <a:lnB w="12700" cap="flat" cmpd="sng" algn="ctr">
-                      <a:solidFill>
-                        <a:schemeClr val="tx1"/>
-                      </a:solidFill>
-                      <a:prstDash val="solid"/>
-                      <a:round/>
-                      <a:headEnd type="none" w="med" len="med"/>
-                      <a:tailEnd type="none" w="med" len="med"/>
-                    </a:lnB>
-                  </a:tcPr>
-                </a:tc>
-                <a:extLst>
-                  <a:ext uri="{0D108BD9-81ED-4DB2-BD59-A6C34878D82A}">
-                    <a16:rowId xmlns:a16="http://schemas.microsoft.com/office/drawing/2014/main" val="2773633358"/>
-                  </a:ext>
-                </a:extLst>
-              </a:tr>
-              <a:tr h="451081">
-                <a:tc>
-                  <a:txBody>
-                    <a:bodyPr/>
-                    <a:lstStyle/>
-                    <a:p>
-                      <a:pPr algn="ctr">
-                        <a:lnSpc>
-                          <a:spcPct val="160000"/>
-                        </a:lnSpc>
-                        <a:spcBef>
-                          <a:spcPts val="0"/>
-                        </a:spcBef>
-                        <a:spcAft>
-                          <a:spcPts val="0"/>
-                        </a:spcAft>
-                      </a:pPr>
-                      <a:r>
-                        <a:rPr lang="ko-KR" altLang="en-US" sz="1400">
-                          <a:solidFill>
-                            <a:schemeClr val="tx1"/>
-                          </a:solidFill>
-                          <a:effectLst/>
-                          <a:latin typeface="Consolas" panose="020B0609020204030204" pitchFamily="49" charset="0"/>
-                        </a:rPr>
-                        <a:t>어떻게 됐건 민주당이 </a:t>
-                      </a:r>
-                      <a:r>
-                        <a:rPr lang="en-US" altLang="ko-KR" sz="1400">
-                          <a:solidFill>
-                            <a:schemeClr val="tx1"/>
-                          </a:solidFill>
-                          <a:effectLst/>
-                          <a:latin typeface="Courier New" panose="02070309020205020404" pitchFamily="49" charset="0"/>
-                        </a:rPr>
-                        <a:t>180</a:t>
-                      </a:r>
-                      <a:r>
-                        <a:rPr lang="ko-KR" altLang="en-US" sz="1400">
-                          <a:solidFill>
-                            <a:schemeClr val="tx1"/>
-                          </a:solidFill>
-                          <a:effectLst/>
-                          <a:latin typeface="Consolas" panose="020B0609020204030204" pitchFamily="49" charset="0"/>
-                        </a:rPr>
-                        <a:t>석인데 건드리기 힘들지 병신련아 ㅋㅋㅋㅋㅋㅋㅋㅋ</a:t>
-                      </a:r>
-                      <a:endParaRPr lang="ko-KR" altLang="en-US" sz="1400">
-                        <a:solidFill>
-                          <a:schemeClr val="tx1"/>
-                        </a:solidFill>
-                        <a:effectLst/>
-                      </a:endParaRPr>
-                    </a:p>
-                  </a:txBody>
-                  <a:tcPr marL="57599" marR="57599" marT="57599" marB="57599" anchor="ctr">
-                    <a:lnL w="12700" cap="flat" cmpd="sng" algn="ctr">
-                      <a:solidFill>
-                        <a:schemeClr val="tx1"/>
-                      </a:solidFill>
-                      <a:prstDash val="solid"/>
-                      <a:round/>
-                      <a:headEnd type="none" w="med" len="med"/>
-                      <a:tailEnd type="none" w="med" len="med"/>
-                    </a:lnL>
-                    <a:lnR w="12700" cap="flat" cmpd="sng" algn="ctr">
-                      <a:solidFill>
-                        <a:schemeClr val="tx1"/>
-                      </a:solidFill>
-                      <a:prstDash val="solid"/>
-                      <a:round/>
-                      <a:headEnd type="none" w="med" len="med"/>
-                      <a:tailEnd type="none" w="med" len="med"/>
-                    </a:lnR>
-                    <a:lnT w="12700" cap="flat" cmpd="sng" algn="ctr">
-                      <a:solidFill>
-                        <a:schemeClr val="tx1"/>
-                      </a:solidFill>
-                      <a:prstDash val="solid"/>
-                      <a:round/>
-                      <a:headEnd type="none" w="med" len="med"/>
-                      <a:tailEnd type="none" w="med" len="med"/>
-                    </a:lnT>
-                    <a:lnB w="12700" cap="flat" cmpd="sng" algn="ctr">
-                      <a:solidFill>
-                        <a:schemeClr val="tx1"/>
-                      </a:solidFill>
-                      <a:prstDash val="solid"/>
-                      <a:round/>
-                      <a:headEnd type="none" w="med" len="med"/>
-                      <a:tailEnd type="none" w="med" len="med"/>
-                    </a:lnB>
-                  </a:tcPr>
-                </a:tc>
-                <a:tc>
-                  <a:txBody>
-                    <a:bodyPr/>
-                    <a:lstStyle/>
-                    <a:p>
-                      <a:pPr algn="ctr">
-                        <a:lnSpc>
-                          <a:spcPct val="160000"/>
-                        </a:lnSpc>
-                        <a:spcBef>
-                          <a:spcPts val="0"/>
-                        </a:spcBef>
-                        <a:spcAft>
-                          <a:spcPts val="0"/>
-                        </a:spcAft>
-                      </a:pPr>
-                      <a:r>
-                        <a:rPr lang="en-US" altLang="ko-KR" sz="1400" dirty="0">
-                          <a:solidFill>
-                            <a:srgbClr val="000000"/>
-                          </a:solidFill>
-                          <a:effectLst/>
-                          <a:latin typeface="맑은 고딕" panose="020B0503020000020004" pitchFamily="50" charset="-127"/>
-                          <a:ea typeface="맑은 고딕" panose="020B0503020000020004" pitchFamily="50" charset="-127"/>
-                        </a:rPr>
-                        <a:t>72.87</a:t>
-                      </a:r>
-                      <a:endParaRPr lang="ko-KR" altLang="en-US" sz="1400" dirty="0">
-                        <a:effectLst/>
-                      </a:endParaRPr>
-                    </a:p>
-                  </a:txBody>
-                  <a:tcPr marL="57599" marR="57599" marT="57599" marB="57599" anchor="ctr">
-                    <a:lnL w="12700" cap="flat" cmpd="sng" algn="ctr">
-                      <a:solidFill>
-                        <a:schemeClr val="tx1"/>
-                      </a:solidFill>
-                      <a:prstDash val="solid"/>
-                      <a:round/>
-                      <a:headEnd type="none" w="med" len="med"/>
-                      <a:tailEnd type="none" w="med" len="med"/>
-                    </a:lnL>
-                    <a:lnR w="12700" cap="flat" cmpd="sng" algn="ctr">
-                      <a:solidFill>
-                        <a:schemeClr val="tx1"/>
-                      </a:solidFill>
-                      <a:prstDash val="solid"/>
-                      <a:round/>
-                      <a:headEnd type="none" w="med" len="med"/>
-                      <a:tailEnd type="none" w="med" len="med"/>
-                    </a:lnR>
-                    <a:lnT w="12700" cap="flat" cmpd="sng" algn="ctr">
-                      <a:solidFill>
-                        <a:schemeClr val="tx1"/>
-                      </a:solidFill>
-                      <a:prstDash val="solid"/>
-                      <a:round/>
-                      <a:headEnd type="none" w="med" len="med"/>
-                      <a:tailEnd type="none" w="med" len="med"/>
-                    </a:lnT>
-                    <a:lnB w="12700" cap="flat" cmpd="sng" algn="ctr">
-                      <a:solidFill>
-                        <a:schemeClr val="tx1"/>
-                      </a:solidFill>
-                      <a:prstDash val="solid"/>
-                      <a:round/>
-                      <a:headEnd type="none" w="med" len="med"/>
-                      <a:tailEnd type="none" w="med" len="med"/>
-                    </a:lnB>
-                  </a:tcPr>
-                </a:tc>
-                <a:tc>
-                  <a:txBody>
-                    <a:bodyPr/>
-                    <a:lstStyle/>
-                    <a:p>
-                      <a:pPr algn="ctr">
-                        <a:lnSpc>
-                          <a:spcPct val="160000"/>
-                        </a:lnSpc>
-                        <a:spcBef>
-                          <a:spcPts val="0"/>
-                        </a:spcBef>
-                        <a:spcAft>
-                          <a:spcPts val="0"/>
-                        </a:spcAft>
-                      </a:pPr>
-                      <a:r>
-                        <a:rPr lang="ko-KR" altLang="en-US" sz="1400" dirty="0">
-                          <a:solidFill>
-                            <a:srgbClr val="000000"/>
-                          </a:solidFill>
-                          <a:effectLst/>
-                          <a:latin typeface="맑은 고딕" panose="020B0503020000020004" pitchFamily="50" charset="-127"/>
-                          <a:ea typeface="맑은 고딕" panose="020B0503020000020004" pitchFamily="50" charset="-127"/>
-                        </a:rPr>
-                        <a:t>부정</a:t>
-                      </a:r>
-                      <a:endParaRPr lang="ko-KR" altLang="en-US" sz="1400" dirty="0">
-                        <a:effectLst/>
-                      </a:endParaRPr>
-                    </a:p>
-                  </a:txBody>
-                  <a:tcPr marL="57599" marR="57599" marT="57599" marB="57599" anchor="ctr">
-                    <a:lnL w="12700" cap="flat" cmpd="sng" algn="ctr">
-                      <a:solidFill>
-                        <a:schemeClr val="tx1"/>
-                      </a:solidFill>
-                      <a:prstDash val="solid"/>
-                      <a:round/>
-                      <a:headEnd type="none" w="med" len="med"/>
-                      <a:tailEnd type="none" w="med" len="med"/>
-                    </a:lnL>
-                    <a:lnR w="12700" cap="flat" cmpd="sng" algn="ctr">
-                      <a:solidFill>
-                        <a:schemeClr val="tx1"/>
-                      </a:solidFill>
-                      <a:prstDash val="solid"/>
-                      <a:round/>
-                      <a:headEnd type="none" w="med" len="med"/>
-                      <a:tailEnd type="none" w="med" len="med"/>
-                    </a:lnR>
-                    <a:lnT w="12700" cap="flat" cmpd="sng" algn="ctr">
-                      <a:solidFill>
-                        <a:schemeClr val="tx1"/>
-                      </a:solidFill>
-                      <a:prstDash val="solid"/>
-                      <a:round/>
-                      <a:headEnd type="none" w="med" len="med"/>
-                      <a:tailEnd type="none" w="med" len="med"/>
-                    </a:lnT>
-                    <a:lnB w="12700" cap="flat" cmpd="sng" algn="ctr">
-                      <a:solidFill>
-                        <a:schemeClr val="tx1"/>
-                      </a:solidFill>
-                      <a:prstDash val="solid"/>
-                      <a:round/>
-                      <a:headEnd type="none" w="med" len="med"/>
-                      <a:tailEnd type="none" w="med" len="med"/>
-                    </a:lnB>
+                    <a:solidFill>
+                      <a:schemeClr val="accent2">
+                        <a:lumMod val="40000"/>
+                        <a:lumOff val="60000"/>
+                      </a:schemeClr>
+                    </a:solidFill>
                   </a:tcPr>
                 </a:tc>
                 <a:extLst>

--- a/인공지능 발표.pptx
+++ b/인공지능 발표.pptx
@@ -13702,7 +13702,7 @@
           <p:nvPr>
             <p:extLst>
               <p:ext uri="{D42A27DB-BD31-4B8C-83A1-F6EECF244321}">
-                <p14:modId xmlns:p14="http://schemas.microsoft.com/office/powerpoint/2010/main" val="3822589942"/>
+                <p14:modId xmlns:p14="http://schemas.microsoft.com/office/powerpoint/2010/main" val="3061000975"/>
               </p:ext>
             </p:extLst>
           </p:nvPr>
@@ -13756,17 +13756,17 @@
                         </a:spcAft>
                       </a:pPr>
                       <a:r>
-                        <a:rPr lang="en-US" sz="1400" dirty="0">
+                        <a:rPr lang="en-US" altLang="ko-KR" sz="1400" dirty="0">
                           <a:solidFill>
                             <a:schemeClr val="tx1"/>
                           </a:solidFill>
                           <a:effectLst/>
                           <a:latin typeface="맑은 고딕" panose="020B0503020000020004" pitchFamily="50" charset="-127"/>
-                          <a:ea typeface="맑은 고딕" panose="020B0503020000020004" pitchFamily="50" charset="-127"/>
+                          <a:ea typeface="+mn-ea"/>
                         </a:rPr>
-                        <a:t>80.</a:t>
+                        <a:t>sentence</a:t>
                       </a:r>
-                      <a:endParaRPr lang="en-US" sz="1400" dirty="0">
+                      <a:endParaRPr lang="en-US" altLang="ko-KR" sz="1400" dirty="0">
                         <a:solidFill>
                           <a:schemeClr val="tx1"/>
                         </a:solidFill>
@@ -17300,7 +17300,7 @@
                         </a:spcAft>
                       </a:pPr>
                       <a:r>
-                        <a:rPr lang="en-US" sz="1400">
+                        <a:rPr lang="en-US" sz="1400" dirty="0">
                           <a:solidFill>
                             <a:schemeClr val="tx1"/>
                           </a:solidFill>
@@ -17310,7 +17310,7 @@
                         </a:rPr>
                         <a:t>sentence</a:t>
                       </a:r>
-                      <a:endParaRPr lang="en-US" sz="1400">
+                      <a:endParaRPr lang="en-US" sz="1400" dirty="0">
                         <a:solidFill>
                           <a:schemeClr val="tx1"/>
                         </a:solidFill>
@@ -28941,6 +28941,36 @@
             </a:endParaRPr>
           </a:p>
           <a:p>
+            <a:endParaRPr lang="en-US" altLang="ko-KR" sz="1300" dirty="0">
+              <a:solidFill>
+                <a:srgbClr val="000000"/>
+              </a:solidFill>
+              <a:latin typeface="Apple SD Gothic Neo"/>
+            </a:endParaRPr>
+          </a:p>
+          <a:p>
+            <a:r>
+              <a:rPr lang="ko-KR" altLang="en-US" sz="1300" b="0" i="0" dirty="0">
+                <a:solidFill>
+                  <a:srgbClr val="000000"/>
+                </a:solidFill>
+                <a:effectLst/>
+                <a:latin typeface="Apple SD Gothic Neo"/>
+              </a:rPr>
+              <a:t>욕설 데이터셋 참고 자료</a:t>
+            </a:r>
+            <a:r>
+              <a:rPr lang="en-US" altLang="ko-KR" sz="1300" b="0" i="0" dirty="0">
+                <a:solidFill>
+                  <a:srgbClr val="000000"/>
+                </a:solidFill>
+                <a:effectLst/>
+                <a:latin typeface="Apple SD Gothic Neo"/>
+              </a:rPr>
+              <a:t>, https://github.com/2runo/Curse-detection-data/blob/master/dataset.txt</a:t>
+            </a:r>
+          </a:p>
+          <a:p>
             <a:endParaRPr lang="ko-KR" altLang="en-US" sz="1300" dirty="0"/>
           </a:p>
         </p:txBody>
@@ -30107,7 +30137,7 @@
             <a:pPr algn="ctr"/>
             <a:r>
               <a:rPr lang="en-US" altLang="ko-KR" dirty="0"/>
-              <a:t>RNN</a:t>
+              <a:t>LSTM</a:t>
             </a:r>
             <a:endParaRPr lang="ko-KR" altLang="en-US" dirty="0"/>
           </a:p>
